--- a/03CreatingWebforms.pptx
+++ b/03CreatingWebforms.pptx
@@ -5,7 +5,7 @@
     <p:sldMasterId id="2147483684" r:id="rId1"/>
   </p:sldMasterIdLst>
   <p:notesMasterIdLst>
-    <p:notesMasterId r:id="rId15"/>
+    <p:notesMasterId r:id="rId16"/>
   </p:notesMasterIdLst>
   <p:sldIdLst>
     <p:sldId id="256" r:id="rId2"/>
@@ -13,14 +13,15 @@
     <p:sldId id="315" r:id="rId4"/>
     <p:sldId id="323" r:id="rId5"/>
     <p:sldId id="316" r:id="rId6"/>
-    <p:sldId id="314" r:id="rId7"/>
-    <p:sldId id="321" r:id="rId8"/>
-    <p:sldId id="317" r:id="rId9"/>
-    <p:sldId id="312" r:id="rId10"/>
-    <p:sldId id="320" r:id="rId11"/>
-    <p:sldId id="319" r:id="rId12"/>
-    <p:sldId id="318" r:id="rId13"/>
-    <p:sldId id="322" r:id="rId14"/>
+    <p:sldId id="324" r:id="rId7"/>
+    <p:sldId id="314" r:id="rId8"/>
+    <p:sldId id="321" r:id="rId9"/>
+    <p:sldId id="317" r:id="rId10"/>
+    <p:sldId id="312" r:id="rId11"/>
+    <p:sldId id="320" r:id="rId12"/>
+    <p:sldId id="319" r:id="rId13"/>
+    <p:sldId id="318" r:id="rId14"/>
+    <p:sldId id="322" r:id="rId15"/>
   </p:sldIdLst>
   <p:sldSz cx="12192000" cy="6858000"/>
   <p:notesSz cx="6858000" cy="9144000"/>
@@ -209,7 +210,7 @@
           <a:p>
             <a:fld id="{86035F98-A1BD-4CEA-97BE-8B0B3D35457A}" type="datetimeFigureOut">
               <a:rPr lang="de-DE" smtClean="0"/>
-              <a:t>04.06.2018</a:t>
+              <a:t>05.06.2018</a:t>
             </a:fld>
             <a:endParaRPr lang="de-DE"/>
           </a:p>
@@ -1299,7 +1300,7 @@
                 <a:latin typeface="Arial" panose="020B0604020202020204" pitchFamily="34" charset="0"/>
               </a:rPr>
               <a:pPr algn="r" eaLnBrk="1" hangingPunct="1"/>
-              <a:t>6</a:t>
+              <a:t>7</a:t>
             </a:fld>
             <a:endParaRPr lang="en-US" altLang="de-DE" sz="1200">
               <a:latin typeface="Arial" panose="020B0604020202020204" pitchFamily="34" charset="0"/>
@@ -1966,7 +1967,7 @@
                 <a:latin typeface="Arial" panose="020B0604020202020204" pitchFamily="34" charset="0"/>
               </a:rPr>
               <a:pPr algn="r" eaLnBrk="1" hangingPunct="1"/>
-              <a:t>9</a:t>
+              <a:t>10</a:t>
             </a:fld>
             <a:endParaRPr lang="en-US" altLang="de-DE" sz="1200">
               <a:latin typeface="Arial" panose="020B0604020202020204" pitchFamily="34" charset="0"/>
@@ -2584,7 +2585,7 @@
           <a:p>
             <a:fld id="{D92B96C3-1F42-476F-BF68-0478C74608EE}" type="datetimeFigureOut">
               <a:rPr lang="de-DE" smtClean="0"/>
-              <a:t>04.06.2018</a:t>
+              <a:t>05.06.2018</a:t>
             </a:fld>
             <a:endParaRPr lang="de-DE"/>
           </a:p>
@@ -2752,7 +2753,7 @@
           <a:p>
             <a:fld id="{D92B96C3-1F42-476F-BF68-0478C74608EE}" type="datetimeFigureOut">
               <a:rPr lang="de-DE" smtClean="0"/>
-              <a:t>04.06.2018</a:t>
+              <a:t>05.06.2018</a:t>
             </a:fld>
             <a:endParaRPr lang="de-DE"/>
           </a:p>
@@ -2930,7 +2931,7 @@
           <a:p>
             <a:fld id="{D92B96C3-1F42-476F-BF68-0478C74608EE}" type="datetimeFigureOut">
               <a:rPr lang="de-DE" smtClean="0"/>
-              <a:t>04.06.2018</a:t>
+              <a:t>05.06.2018</a:t>
             </a:fld>
             <a:endParaRPr lang="de-DE"/>
           </a:p>
@@ -3098,7 +3099,7 @@
           <a:p>
             <a:fld id="{D92B96C3-1F42-476F-BF68-0478C74608EE}" type="datetimeFigureOut">
               <a:rPr lang="de-DE" smtClean="0"/>
-              <a:t>04.06.2018</a:t>
+              <a:t>05.06.2018</a:t>
             </a:fld>
             <a:endParaRPr lang="de-DE"/>
           </a:p>
@@ -3343,7 +3344,7 @@
           <a:p>
             <a:fld id="{D92B96C3-1F42-476F-BF68-0478C74608EE}" type="datetimeFigureOut">
               <a:rPr lang="de-DE" smtClean="0"/>
-              <a:t>04.06.2018</a:t>
+              <a:t>05.06.2018</a:t>
             </a:fld>
             <a:endParaRPr lang="de-DE"/>
           </a:p>
@@ -3572,7 +3573,7 @@
           <a:p>
             <a:fld id="{D92B96C3-1F42-476F-BF68-0478C74608EE}" type="datetimeFigureOut">
               <a:rPr lang="de-DE" smtClean="0"/>
-              <a:t>04.06.2018</a:t>
+              <a:t>05.06.2018</a:t>
             </a:fld>
             <a:endParaRPr lang="de-DE"/>
           </a:p>
@@ -3936,7 +3937,7 @@
           <a:p>
             <a:fld id="{D92B96C3-1F42-476F-BF68-0478C74608EE}" type="datetimeFigureOut">
               <a:rPr lang="de-DE" smtClean="0"/>
-              <a:t>04.06.2018</a:t>
+              <a:t>05.06.2018</a:t>
             </a:fld>
             <a:endParaRPr lang="de-DE"/>
           </a:p>
@@ -4053,7 +4054,7 @@
           <a:p>
             <a:fld id="{D92B96C3-1F42-476F-BF68-0478C74608EE}" type="datetimeFigureOut">
               <a:rPr lang="de-DE" smtClean="0"/>
-              <a:t>04.06.2018</a:t>
+              <a:t>05.06.2018</a:t>
             </a:fld>
             <a:endParaRPr lang="de-DE"/>
           </a:p>
@@ -4148,7 +4149,7 @@
           <a:p>
             <a:fld id="{D92B96C3-1F42-476F-BF68-0478C74608EE}" type="datetimeFigureOut">
               <a:rPr lang="de-DE" smtClean="0"/>
-              <a:t>04.06.2018</a:t>
+              <a:t>05.06.2018</a:t>
             </a:fld>
             <a:endParaRPr lang="de-DE"/>
           </a:p>
@@ -4423,7 +4424,7 @@
           <a:p>
             <a:fld id="{D92B96C3-1F42-476F-BF68-0478C74608EE}" type="datetimeFigureOut">
               <a:rPr lang="de-DE" smtClean="0"/>
-              <a:t>04.06.2018</a:t>
+              <a:t>05.06.2018</a:t>
             </a:fld>
             <a:endParaRPr lang="de-DE"/>
           </a:p>
@@ -4675,7 +4676,7 @@
           <a:p>
             <a:fld id="{D92B96C3-1F42-476F-BF68-0478C74608EE}" type="datetimeFigureOut">
               <a:rPr lang="de-DE" smtClean="0"/>
-              <a:t>04.06.2018</a:t>
+              <a:t>05.06.2018</a:t>
             </a:fld>
             <a:endParaRPr lang="de-DE"/>
           </a:p>
@@ -4886,7 +4887,7 @@
           <a:p>
             <a:fld id="{D92B96C3-1F42-476F-BF68-0478C74608EE}" type="datetimeFigureOut">
               <a:rPr lang="de-DE" smtClean="0"/>
-              <a:t>04.06.2018</a:t>
+              <a:t>05.06.2018</a:t>
             </a:fld>
             <a:endParaRPr lang="de-DE"/>
           </a:p>
@@ -5441,84 +5442,1455 @@
           <a:chExt cx="0" cy="0"/>
         </a:xfrm>
       </p:grpSpPr>
-      <p:sp>
-        <p:nvSpPr>
-          <p:cNvPr id="2" name="Titel 1"/>
+      <p:grpSp>
+        <p:nvGrpSpPr>
+          <p:cNvPr id="21" name="Gruppieren 20"/>
+          <p:cNvGrpSpPr/>
+          <p:nvPr/>
+        </p:nvGrpSpPr>
+        <p:grpSpPr>
+          <a:xfrm>
+            <a:off x="1220818" y="5757081"/>
+            <a:ext cx="750277" cy="199946"/>
+            <a:chOff x="6286499" y="5991810"/>
+            <a:chExt cx="750277" cy="199946"/>
+          </a:xfrm>
+        </p:grpSpPr>
+        <p:sp>
+          <p:nvSpPr>
+            <p:cNvPr id="6" name="Ellipse 5"/>
+            <p:cNvSpPr/>
+            <p:nvPr/>
+          </p:nvSpPr>
+          <p:spPr>
+            <a:xfrm>
+              <a:off x="6286499" y="5991811"/>
+              <a:ext cx="263769" cy="199945"/>
+            </a:xfrm>
+            <a:prstGeom prst="ellipse">
+              <a:avLst/>
+            </a:prstGeom>
+            <a:solidFill>
+              <a:schemeClr val="bg1"/>
+            </a:solidFill>
+            <a:ln>
+              <a:noFill/>
+            </a:ln>
+          </p:spPr>
+          <p:style>
+            <a:lnRef idx="2">
+              <a:schemeClr val="accent1">
+                <a:shade val="50000"/>
+              </a:schemeClr>
+            </a:lnRef>
+            <a:fillRef idx="1">
+              <a:schemeClr val="accent1"/>
+            </a:fillRef>
+            <a:effectRef idx="0">
+              <a:schemeClr val="accent1"/>
+            </a:effectRef>
+            <a:fontRef idx="minor">
+              <a:schemeClr val="lt1"/>
+            </a:fontRef>
+          </p:style>
+          <p:txBody>
+            <a:bodyPr rtlCol="0" anchor="ctr"/>
+            <a:lstStyle/>
+            <a:p>
+              <a:pPr algn="ctr"/>
+              <a:endParaRPr lang="de-DE"/>
+            </a:p>
+          </p:txBody>
+        </p:sp>
+        <p:sp>
+          <p:nvSpPr>
+            <p:cNvPr id="24" name="Ellipse 23"/>
+            <p:cNvSpPr/>
+            <p:nvPr/>
+          </p:nvSpPr>
+          <p:spPr>
+            <a:xfrm>
+              <a:off x="6773007" y="5991810"/>
+              <a:ext cx="263769" cy="199945"/>
+            </a:xfrm>
+            <a:prstGeom prst="ellipse">
+              <a:avLst/>
+            </a:prstGeom>
+            <a:solidFill>
+              <a:schemeClr val="bg1"/>
+            </a:solidFill>
+            <a:ln>
+              <a:noFill/>
+            </a:ln>
+          </p:spPr>
+          <p:style>
+            <a:lnRef idx="2">
+              <a:schemeClr val="accent1">
+                <a:shade val="50000"/>
+              </a:schemeClr>
+            </a:lnRef>
+            <a:fillRef idx="1">
+              <a:schemeClr val="accent1"/>
+            </a:fillRef>
+            <a:effectRef idx="0">
+              <a:schemeClr val="accent1"/>
+            </a:effectRef>
+            <a:fontRef idx="minor">
+              <a:schemeClr val="lt1"/>
+            </a:fontRef>
+          </p:style>
+          <p:txBody>
+            <a:bodyPr rtlCol="0" anchor="ctr"/>
+            <a:lstStyle/>
+            <a:p>
+              <a:pPr algn="ctr"/>
+              <a:endParaRPr lang="de-DE"/>
+            </a:p>
+          </p:txBody>
+        </p:sp>
+      </p:grpSp>
+      <p:sp>
+        <p:nvSpPr>
+          <p:cNvPr id="9218" name="Rectangle 2"/>
           <p:cNvSpPr>
-            <a:spLocks noGrp="1"/>
+            <a:spLocks noGrp="1" noChangeArrowheads="1"/>
           </p:cNvSpPr>
           <p:nvPr>
-            <p:ph type="title"/>
+            <p:ph type="title" idx="4294967295"/>
           </p:nvPr>
         </p:nvSpPr>
-        <p:spPr/>
-        <p:txBody>
-          <a:bodyPr/>
+        <p:spPr>
+          <a:xfrm>
+            <a:off x="838200" y="365125"/>
+            <a:ext cx="10661074" cy="1325563"/>
+          </a:xfrm>
+        </p:spPr>
+        <p:txBody>
+          <a:bodyPr>
+            <a:normAutofit/>
+          </a:bodyPr>
           <a:lstStyle/>
           <a:p>
             <a:r>
-              <a:rPr lang="de-DE" dirty="0" smtClean="0"/>
-              <a:t>Events</a:t>
-            </a:r>
-            <a:endParaRPr lang="de-DE" dirty="0"/>
-          </a:p>
-        </p:txBody>
-      </p:sp>
-      <p:sp>
-        <p:nvSpPr>
-          <p:cNvPr id="3" name="Inhaltsplatzhalter 2"/>
-          <p:cNvSpPr>
-            <a:spLocks noGrp="1"/>
-          </p:cNvSpPr>
-          <p:nvPr>
-            <p:ph idx="1"/>
-          </p:nvPr>
-        </p:nvSpPr>
-        <p:spPr/>
-        <p:txBody>
-          <a:bodyPr/>
+              <a:rPr lang="en-US" altLang="de-DE" sz="7200" dirty="0">
+                <a:solidFill>
+                  <a:schemeClr val="bg1">
+                    <a:lumMod val="65000"/>
+                  </a:schemeClr>
+                </a:solidFill>
+                <a:latin typeface="Century Gothic" panose="020B0502020202020204" pitchFamily="34" charset="0"/>
+                <a:ea typeface="+mn-ea"/>
+                <a:cs typeface="+mn-cs"/>
+              </a:rPr>
+              <a:t>Control </a:t>
+            </a:r>
+            <a:r>
+              <a:rPr lang="en-US" altLang="de-DE" sz="7200" dirty="0" err="1">
+                <a:solidFill>
+                  <a:schemeClr val="bg1">
+                    <a:lumMod val="65000"/>
+                  </a:schemeClr>
+                </a:solidFill>
+                <a:latin typeface="Century Gothic" panose="020B0502020202020204" pitchFamily="34" charset="0"/>
+                <a:ea typeface="+mn-ea"/>
+                <a:cs typeface="+mn-cs"/>
+              </a:rPr>
+              <a:t>Typen</a:t>
+            </a:r>
+            <a:endParaRPr lang="en-US" altLang="de-DE" sz="7200" dirty="0">
+              <a:solidFill>
+                <a:schemeClr val="bg1">
+                  <a:lumMod val="65000"/>
+                </a:schemeClr>
+              </a:solidFill>
+              <a:latin typeface="Century Gothic" panose="020B0502020202020204" pitchFamily="34" charset="0"/>
+              <a:ea typeface="+mn-ea"/>
+              <a:cs typeface="+mn-cs"/>
+            </a:endParaRPr>
+          </a:p>
+        </p:txBody>
+      </p:sp>
+      <p:sp>
+        <p:nvSpPr>
+          <p:cNvPr id="3" name="Rechteck 2"/>
+          <p:cNvSpPr/>
+          <p:nvPr/>
+        </p:nvSpPr>
+        <p:spPr>
+          <a:xfrm>
+            <a:off x="838199" y="2161309"/>
+            <a:ext cx="5091546" cy="1727200"/>
+          </a:xfrm>
+          <a:prstGeom prst="rect">
+            <a:avLst/>
+          </a:prstGeom>
+          <a:noFill/>
+          <a:ln>
+            <a:noFill/>
+          </a:ln>
+        </p:spPr>
+        <p:style>
+          <a:lnRef idx="0">
+            <a:scrgbClr r="0" g="0" b="0"/>
+          </a:lnRef>
+          <a:fillRef idx="0">
+            <a:scrgbClr r="0" g="0" b="0"/>
+          </a:fillRef>
+          <a:effectRef idx="0">
+            <a:scrgbClr r="0" g="0" b="0"/>
+          </a:effectRef>
+          <a:fontRef idx="minor">
+            <a:schemeClr val="dk1"/>
+          </a:fontRef>
+        </p:style>
+        <p:txBody>
+          <a:bodyPr rtlCol="0" anchor="t"/>
           <a:lstStyle/>
           <a:p>
             <a:r>
-              <a:rPr lang="de-DE" dirty="0" err="1" smtClean="0"/>
-              <a:t>OnClick</a:t>
-            </a:r>
-            <a:endParaRPr lang="de-DE" dirty="0" smtClean="0"/>
-          </a:p>
-          <a:p>
-            <a:r>
-              <a:rPr lang="de-DE" dirty="0" err="1" smtClean="0"/>
-              <a:t>OnPreRender</a:t>
-            </a:r>
-            <a:endParaRPr lang="de-DE" dirty="0" smtClean="0"/>
-          </a:p>
-          <a:p>
-            <a:r>
-              <a:rPr lang="de-DE" dirty="0" err="1" smtClean="0"/>
-              <a:t>OnInit</a:t>
-            </a:r>
-            <a:endParaRPr lang="de-DE" dirty="0" smtClean="0"/>
-          </a:p>
-          <a:p>
-            <a:r>
-              <a:rPr lang="de-DE" dirty="0" err="1" smtClean="0"/>
-              <a:t>OnLoad</a:t>
-            </a:r>
-            <a:endParaRPr lang="de-DE" dirty="0" smtClean="0"/>
-          </a:p>
-          <a:p>
-            <a:r>
-              <a:rPr lang="de-DE" dirty="0" err="1" smtClean="0"/>
-              <a:t>SelectedIndexChanged</a:t>
-            </a:r>
-            <a:endParaRPr lang="de-DE" dirty="0"/>
-          </a:p>
-        </p:txBody>
-      </p:sp>
+              <a:rPr lang="de-DE" sz="2400" dirty="0" err="1">
+                <a:latin typeface="Century Gothic" panose="020B0502020202020204" pitchFamily="34" charset="0"/>
+              </a:rPr>
+              <a:t>Html</a:t>
+            </a:r>
+            <a:r>
+              <a:rPr lang="de-DE" sz="2400" dirty="0">
+                <a:latin typeface="Century Gothic" panose="020B0502020202020204" pitchFamily="34" charset="0"/>
+              </a:rPr>
+              <a:t> Server Control</a:t>
+            </a:r>
+          </a:p>
+          <a:p>
+            <a:endParaRPr lang="de-DE" sz="800" dirty="0">
+              <a:latin typeface="Century Gothic" panose="020B0502020202020204" pitchFamily="34" charset="0"/>
+            </a:endParaRPr>
+          </a:p>
+          <a:p>
+            <a:r>
+              <a:rPr lang="de-DE" sz="2000" dirty="0"/>
+              <a:t>Eins-zu-eins Mappen mit dem </a:t>
+            </a:r>
+            <a:r>
+              <a:rPr lang="de-DE" sz="2000" dirty="0" err="1"/>
+              <a:t>Html</a:t>
+            </a:r>
+            <a:r>
+              <a:rPr lang="de-DE" sz="2000" dirty="0"/>
+              <a:t>-Element</a:t>
+            </a:r>
+            <a:endParaRPr lang="de-DE" sz="2400" dirty="0"/>
+          </a:p>
+        </p:txBody>
+      </p:sp>
+      <p:sp>
+        <p:nvSpPr>
+          <p:cNvPr id="25" name="Rechteck 24"/>
+          <p:cNvSpPr/>
+          <p:nvPr/>
+        </p:nvSpPr>
+        <p:spPr>
+          <a:xfrm>
+            <a:off x="6476999" y="2161309"/>
+            <a:ext cx="5022275" cy="2281382"/>
+          </a:xfrm>
+          <a:prstGeom prst="rect">
+            <a:avLst/>
+          </a:prstGeom>
+          <a:noFill/>
+          <a:ln>
+            <a:noFill/>
+          </a:ln>
+        </p:spPr>
+        <p:style>
+          <a:lnRef idx="0">
+            <a:scrgbClr r="0" g="0" b="0"/>
+          </a:lnRef>
+          <a:fillRef idx="0">
+            <a:scrgbClr r="0" g="0" b="0"/>
+          </a:fillRef>
+          <a:effectRef idx="0">
+            <a:scrgbClr r="0" g="0" b="0"/>
+          </a:effectRef>
+          <a:fontRef idx="minor">
+            <a:schemeClr val="dk1"/>
+          </a:fontRef>
+        </p:style>
+        <p:txBody>
+          <a:bodyPr rtlCol="0" anchor="t"/>
+          <a:lstStyle/>
+          <a:p>
+            <a:r>
+              <a:rPr lang="de-DE" sz="2400" dirty="0">
+                <a:latin typeface="Century Gothic" panose="020B0502020202020204" pitchFamily="34" charset="0"/>
+              </a:rPr>
+              <a:t>Web Server Control</a:t>
+            </a:r>
+          </a:p>
+          <a:p>
+            <a:pPr lvl="0"/>
+            <a:endParaRPr lang="de-DE" sz="800" dirty="0">
+              <a:solidFill>
+                <a:prstClr val="black"/>
+              </a:solidFill>
+              <a:latin typeface="Century Gothic" panose="020B0502020202020204" pitchFamily="34" charset="0"/>
+            </a:endParaRPr>
+          </a:p>
+          <a:p>
+            <a:pPr lvl="0"/>
+            <a:r>
+              <a:rPr lang="de-DE" sz="2000" dirty="0">
+                <a:solidFill>
+                  <a:prstClr val="black"/>
+                </a:solidFill>
+              </a:rPr>
+              <a:t>Werden erst herunter gebrochen auf </a:t>
+            </a:r>
+            <a:r>
+              <a:rPr lang="de-DE" sz="2000" dirty="0" err="1">
+                <a:solidFill>
+                  <a:prstClr val="black"/>
+                </a:solidFill>
+              </a:rPr>
+              <a:t>Html</a:t>
+            </a:r>
+            <a:r>
+              <a:rPr lang="de-DE" sz="2000" dirty="0">
+                <a:solidFill>
+                  <a:prstClr val="black"/>
+                </a:solidFill>
+              </a:rPr>
+              <a:t>-Elemente</a:t>
+            </a:r>
+            <a:endParaRPr lang="de-DE" sz="2400" dirty="0">
+              <a:solidFill>
+                <a:prstClr val="black"/>
+              </a:solidFill>
+            </a:endParaRPr>
+          </a:p>
+          <a:p>
+            <a:endParaRPr lang="de-DE" sz="2400" dirty="0">
+              <a:latin typeface="Century Gothic" panose="020B0502020202020204" pitchFamily="34" charset="0"/>
+            </a:endParaRPr>
+          </a:p>
+        </p:txBody>
+      </p:sp>
+      <p:sp>
+        <p:nvSpPr>
+          <p:cNvPr id="26" name="Abgerundetes Rechteck 25"/>
+          <p:cNvSpPr/>
+          <p:nvPr/>
+        </p:nvSpPr>
+        <p:spPr>
+          <a:xfrm>
+            <a:off x="6476998" y="3870036"/>
+            <a:ext cx="5569529" cy="1588655"/>
+          </a:xfrm>
+          <a:prstGeom prst="roundRect">
+            <a:avLst>
+              <a:gd name="adj" fmla="val 0"/>
+            </a:avLst>
+          </a:prstGeom>
+          <a:noFill/>
+          <a:ln>
+            <a:noFill/>
+          </a:ln>
+        </p:spPr>
+        <p:style>
+          <a:lnRef idx="0">
+            <a:scrgbClr r="0" g="0" b="0"/>
+          </a:lnRef>
+          <a:fillRef idx="0">
+            <a:scrgbClr r="0" g="0" b="0"/>
+          </a:fillRef>
+          <a:effectRef idx="0">
+            <a:scrgbClr r="0" g="0" b="0"/>
+          </a:effectRef>
+          <a:fontRef idx="minor">
+            <a:schemeClr val="dk1"/>
+          </a:fontRef>
+        </p:style>
+        <p:txBody>
+          <a:bodyPr rtlCol="0" anchor="ctr"/>
+          <a:lstStyle/>
+          <a:p>
+            <a:r>
+              <a:rPr lang="de-DE" sz="1600" dirty="0">
+                <a:solidFill>
+                  <a:srgbClr val="0000FF"/>
+                </a:solidFill>
+                <a:latin typeface="Consolas" panose="020B0609020204030204" pitchFamily="49" charset="0"/>
+              </a:rPr>
+              <a:t>&lt;</a:t>
+            </a:r>
+            <a:r>
+              <a:rPr lang="de-DE" sz="1600" dirty="0" err="1">
+                <a:solidFill>
+                  <a:srgbClr val="800000"/>
+                </a:solidFill>
+                <a:latin typeface="Consolas" panose="020B0609020204030204" pitchFamily="49" charset="0"/>
+              </a:rPr>
+              <a:t>asp</a:t>
+            </a:r>
+            <a:r>
+              <a:rPr lang="de-DE" sz="1600" dirty="0" err="1">
+                <a:solidFill>
+                  <a:srgbClr val="0000FF"/>
+                </a:solidFill>
+                <a:latin typeface="Consolas" panose="020B0609020204030204" pitchFamily="49" charset="0"/>
+              </a:rPr>
+              <a:t>:</a:t>
+            </a:r>
+            <a:r>
+              <a:rPr lang="de-DE" sz="1600" dirty="0" err="1">
+                <a:solidFill>
+                  <a:srgbClr val="800000"/>
+                </a:solidFill>
+                <a:latin typeface="Consolas" panose="020B0609020204030204" pitchFamily="49" charset="0"/>
+              </a:rPr>
+              <a:t>RadioButtonList</a:t>
+            </a:r>
+            <a:r>
+              <a:rPr lang="de-DE" sz="1600" dirty="0">
+                <a:solidFill>
+                  <a:srgbClr val="000000"/>
+                </a:solidFill>
+                <a:latin typeface="Consolas" panose="020B0609020204030204" pitchFamily="49" charset="0"/>
+              </a:rPr>
+              <a:t> </a:t>
+            </a:r>
+            <a:r>
+              <a:rPr lang="de-DE" sz="1600" dirty="0" err="1">
+                <a:solidFill>
+                  <a:srgbClr val="FF0000"/>
+                </a:solidFill>
+                <a:latin typeface="Consolas" panose="020B0609020204030204" pitchFamily="49" charset="0"/>
+              </a:rPr>
+              <a:t>runat</a:t>
+            </a:r>
+            <a:r>
+              <a:rPr lang="de-DE" sz="1600" dirty="0">
+                <a:solidFill>
+                  <a:srgbClr val="0000FF"/>
+                </a:solidFill>
+                <a:latin typeface="Consolas" panose="020B0609020204030204" pitchFamily="49" charset="0"/>
+              </a:rPr>
+              <a:t>="</a:t>
+            </a:r>
+            <a:r>
+              <a:rPr lang="de-DE" sz="1600" dirty="0" err="1">
+                <a:solidFill>
+                  <a:srgbClr val="0000FF"/>
+                </a:solidFill>
+                <a:latin typeface="Consolas" panose="020B0609020204030204" pitchFamily="49" charset="0"/>
+              </a:rPr>
+              <a:t>server</a:t>
+            </a:r>
+            <a:r>
+              <a:rPr lang="de-DE" sz="1600" dirty="0">
+                <a:solidFill>
+                  <a:srgbClr val="0000FF"/>
+                </a:solidFill>
+                <a:latin typeface="Consolas" panose="020B0609020204030204" pitchFamily="49" charset="0"/>
+              </a:rPr>
+              <a:t>" </a:t>
+            </a:r>
+            <a:r>
+              <a:rPr lang="de-DE" sz="1600" dirty="0" err="1">
+                <a:solidFill>
+                  <a:srgbClr val="FF0000"/>
+                </a:solidFill>
+                <a:latin typeface="Consolas" panose="020B0609020204030204" pitchFamily="49" charset="0"/>
+              </a:rPr>
+              <a:t>id</a:t>
+            </a:r>
+            <a:r>
+              <a:rPr lang="de-DE" sz="1600" dirty="0">
+                <a:solidFill>
+                  <a:srgbClr val="0000FF"/>
+                </a:solidFill>
+                <a:latin typeface="Consolas" panose="020B0609020204030204" pitchFamily="49" charset="0"/>
+              </a:rPr>
+              <a:t>="</a:t>
+            </a:r>
+            <a:r>
+              <a:rPr lang="de-DE" sz="1600" dirty="0" err="1">
+                <a:solidFill>
+                  <a:srgbClr val="0000FF"/>
+                </a:solidFill>
+                <a:latin typeface="Consolas" panose="020B0609020204030204" pitchFamily="49" charset="0"/>
+              </a:rPr>
+              <a:t>rblist</a:t>
+            </a:r>
+            <a:r>
+              <a:rPr lang="de-DE" sz="1600" dirty="0">
+                <a:solidFill>
+                  <a:srgbClr val="0000FF"/>
+                </a:solidFill>
+                <a:latin typeface="Consolas" panose="020B0609020204030204" pitchFamily="49" charset="0"/>
+              </a:rPr>
+              <a:t>"&gt;</a:t>
+            </a:r>
+            <a:endParaRPr lang="de-DE" sz="1600" dirty="0">
+              <a:solidFill>
+                <a:srgbClr val="000000"/>
+              </a:solidFill>
+              <a:latin typeface="Consolas" panose="020B0609020204030204" pitchFamily="49" charset="0"/>
+            </a:endParaRPr>
+          </a:p>
+          <a:p>
+            <a:r>
+              <a:rPr lang="de-DE" sz="1600" dirty="0">
+                <a:solidFill>
+                  <a:srgbClr val="000000"/>
+                </a:solidFill>
+                <a:latin typeface="Consolas" panose="020B0609020204030204" pitchFamily="49" charset="0"/>
+              </a:rPr>
+              <a:t>	 </a:t>
+            </a:r>
+            <a:r>
+              <a:rPr lang="de-DE" sz="1600" dirty="0">
+                <a:solidFill>
+                  <a:srgbClr val="0000FF"/>
+                </a:solidFill>
+                <a:latin typeface="Consolas" panose="020B0609020204030204" pitchFamily="49" charset="0"/>
+              </a:rPr>
+              <a:t>&lt;</a:t>
+            </a:r>
+            <a:r>
+              <a:rPr lang="de-DE" sz="1600" dirty="0" err="1">
+                <a:solidFill>
+                  <a:srgbClr val="800000"/>
+                </a:solidFill>
+                <a:latin typeface="Consolas" panose="020B0609020204030204" pitchFamily="49" charset="0"/>
+              </a:rPr>
+              <a:t>asp</a:t>
+            </a:r>
+            <a:r>
+              <a:rPr lang="de-DE" sz="1600" dirty="0" err="1">
+                <a:solidFill>
+                  <a:srgbClr val="0000FF"/>
+                </a:solidFill>
+                <a:latin typeface="Consolas" panose="020B0609020204030204" pitchFamily="49" charset="0"/>
+              </a:rPr>
+              <a:t>:</a:t>
+            </a:r>
+            <a:r>
+              <a:rPr lang="de-DE" sz="1600" dirty="0" err="1">
+                <a:solidFill>
+                  <a:srgbClr val="800000"/>
+                </a:solidFill>
+                <a:latin typeface="Consolas" panose="020B0609020204030204" pitchFamily="49" charset="0"/>
+              </a:rPr>
+              <a:t>ListItem</a:t>
+            </a:r>
+            <a:r>
+              <a:rPr lang="de-DE" sz="1600" dirty="0">
+                <a:solidFill>
+                  <a:srgbClr val="0000FF"/>
+                </a:solidFill>
+                <a:latin typeface="Consolas" panose="020B0609020204030204" pitchFamily="49" charset="0"/>
+              </a:rPr>
+              <a:t>&gt;</a:t>
+            </a:r>
+            <a:r>
+              <a:rPr lang="de-DE" sz="1600" dirty="0">
+                <a:solidFill>
+                  <a:srgbClr val="000000"/>
+                </a:solidFill>
+                <a:latin typeface="Consolas" panose="020B0609020204030204" pitchFamily="49" charset="0"/>
+              </a:rPr>
+              <a:t>2</a:t>
+            </a:r>
+            <a:r>
+              <a:rPr lang="de-DE" sz="1600" dirty="0">
+                <a:solidFill>
+                  <a:srgbClr val="0000FF"/>
+                </a:solidFill>
+                <a:latin typeface="Consolas" panose="020B0609020204030204" pitchFamily="49" charset="0"/>
+              </a:rPr>
+              <a:t>&lt;/</a:t>
+            </a:r>
+            <a:r>
+              <a:rPr lang="de-DE" sz="1600" dirty="0" err="1">
+                <a:solidFill>
+                  <a:srgbClr val="800000"/>
+                </a:solidFill>
+                <a:latin typeface="Consolas" panose="020B0609020204030204" pitchFamily="49" charset="0"/>
+              </a:rPr>
+              <a:t>asp</a:t>
+            </a:r>
+            <a:r>
+              <a:rPr lang="de-DE" sz="1600" dirty="0" err="1">
+                <a:solidFill>
+                  <a:srgbClr val="0000FF"/>
+                </a:solidFill>
+                <a:latin typeface="Consolas" panose="020B0609020204030204" pitchFamily="49" charset="0"/>
+              </a:rPr>
+              <a:t>:</a:t>
+            </a:r>
+            <a:r>
+              <a:rPr lang="de-DE" sz="1600" dirty="0" err="1">
+                <a:solidFill>
+                  <a:srgbClr val="800000"/>
+                </a:solidFill>
+                <a:latin typeface="Consolas" panose="020B0609020204030204" pitchFamily="49" charset="0"/>
+              </a:rPr>
+              <a:t>ListItem</a:t>
+            </a:r>
+            <a:r>
+              <a:rPr lang="de-DE" sz="1600" dirty="0">
+                <a:solidFill>
+                  <a:srgbClr val="0000FF"/>
+                </a:solidFill>
+                <a:latin typeface="Consolas" panose="020B0609020204030204" pitchFamily="49" charset="0"/>
+              </a:rPr>
+              <a:t>&gt;</a:t>
+            </a:r>
+            <a:endParaRPr lang="de-DE" sz="1600" dirty="0">
+              <a:solidFill>
+                <a:srgbClr val="000000"/>
+              </a:solidFill>
+              <a:latin typeface="Consolas" panose="020B0609020204030204" pitchFamily="49" charset="0"/>
+            </a:endParaRPr>
+          </a:p>
+          <a:p>
+            <a:r>
+              <a:rPr lang="de-DE" sz="1600" dirty="0">
+                <a:solidFill>
+                  <a:srgbClr val="0000FF"/>
+                </a:solidFill>
+                <a:latin typeface="Consolas" panose="020B0609020204030204" pitchFamily="49" charset="0"/>
+              </a:rPr>
+              <a:t>	&lt;</a:t>
+            </a:r>
+            <a:r>
+              <a:rPr lang="de-DE" sz="1600" dirty="0" err="1">
+                <a:solidFill>
+                  <a:srgbClr val="800000"/>
+                </a:solidFill>
+                <a:latin typeface="Consolas" panose="020B0609020204030204" pitchFamily="49" charset="0"/>
+              </a:rPr>
+              <a:t>asp</a:t>
+            </a:r>
+            <a:r>
+              <a:rPr lang="de-DE" sz="1600" dirty="0" err="1">
+                <a:solidFill>
+                  <a:srgbClr val="0000FF"/>
+                </a:solidFill>
+                <a:latin typeface="Consolas" panose="020B0609020204030204" pitchFamily="49" charset="0"/>
+              </a:rPr>
+              <a:t>:</a:t>
+            </a:r>
+            <a:r>
+              <a:rPr lang="de-DE" sz="1600" dirty="0" err="1">
+                <a:solidFill>
+                  <a:srgbClr val="800000"/>
+                </a:solidFill>
+                <a:latin typeface="Consolas" panose="020B0609020204030204" pitchFamily="49" charset="0"/>
+              </a:rPr>
+              <a:t>ListItem</a:t>
+            </a:r>
+            <a:r>
+              <a:rPr lang="de-DE" sz="1600" dirty="0">
+                <a:solidFill>
+                  <a:srgbClr val="0000FF"/>
+                </a:solidFill>
+                <a:latin typeface="Consolas" panose="020B0609020204030204" pitchFamily="49" charset="0"/>
+              </a:rPr>
+              <a:t>&gt;</a:t>
+            </a:r>
+            <a:r>
+              <a:rPr lang="de-DE" sz="1600" dirty="0">
+                <a:solidFill>
+                  <a:srgbClr val="000000"/>
+                </a:solidFill>
+                <a:latin typeface="Consolas" panose="020B0609020204030204" pitchFamily="49" charset="0"/>
+              </a:rPr>
+              <a:t>3</a:t>
+            </a:r>
+            <a:r>
+              <a:rPr lang="de-DE" sz="1600" dirty="0">
+                <a:solidFill>
+                  <a:srgbClr val="0000FF"/>
+                </a:solidFill>
+                <a:latin typeface="Consolas" panose="020B0609020204030204" pitchFamily="49" charset="0"/>
+              </a:rPr>
+              <a:t>&lt;/</a:t>
+            </a:r>
+            <a:r>
+              <a:rPr lang="de-DE" sz="1600" dirty="0" err="1">
+                <a:solidFill>
+                  <a:srgbClr val="800000"/>
+                </a:solidFill>
+                <a:latin typeface="Consolas" panose="020B0609020204030204" pitchFamily="49" charset="0"/>
+              </a:rPr>
+              <a:t>asp</a:t>
+            </a:r>
+            <a:r>
+              <a:rPr lang="de-DE" sz="1600" dirty="0" err="1">
+                <a:solidFill>
+                  <a:srgbClr val="0000FF"/>
+                </a:solidFill>
+                <a:latin typeface="Consolas" panose="020B0609020204030204" pitchFamily="49" charset="0"/>
+              </a:rPr>
+              <a:t>:</a:t>
+            </a:r>
+            <a:r>
+              <a:rPr lang="de-DE" sz="1600" dirty="0" err="1">
+                <a:solidFill>
+                  <a:srgbClr val="800000"/>
+                </a:solidFill>
+                <a:latin typeface="Consolas" panose="020B0609020204030204" pitchFamily="49" charset="0"/>
+              </a:rPr>
+              <a:t>ListItem</a:t>
+            </a:r>
+            <a:r>
+              <a:rPr lang="de-DE" sz="1600" dirty="0">
+                <a:solidFill>
+                  <a:srgbClr val="0000FF"/>
+                </a:solidFill>
+                <a:latin typeface="Consolas" panose="020B0609020204030204" pitchFamily="49" charset="0"/>
+              </a:rPr>
+              <a:t>&gt;</a:t>
+            </a:r>
+            <a:endParaRPr lang="de-DE" sz="1600" dirty="0">
+              <a:solidFill>
+                <a:srgbClr val="000000"/>
+              </a:solidFill>
+              <a:latin typeface="Consolas" panose="020B0609020204030204" pitchFamily="49" charset="0"/>
+            </a:endParaRPr>
+          </a:p>
+          <a:p>
+            <a:r>
+              <a:rPr lang="de-DE" sz="1600" dirty="0">
+                <a:solidFill>
+                  <a:srgbClr val="0000FF"/>
+                </a:solidFill>
+                <a:latin typeface="Consolas" panose="020B0609020204030204" pitchFamily="49" charset="0"/>
+              </a:rPr>
+              <a:t>&lt;/</a:t>
+            </a:r>
+            <a:r>
+              <a:rPr lang="de-DE" sz="1600" dirty="0" err="1">
+                <a:solidFill>
+                  <a:srgbClr val="800000"/>
+                </a:solidFill>
+                <a:latin typeface="Consolas" panose="020B0609020204030204" pitchFamily="49" charset="0"/>
+              </a:rPr>
+              <a:t>asp</a:t>
+            </a:r>
+            <a:r>
+              <a:rPr lang="de-DE" sz="1600" dirty="0" err="1">
+                <a:solidFill>
+                  <a:srgbClr val="0000FF"/>
+                </a:solidFill>
+                <a:latin typeface="Consolas" panose="020B0609020204030204" pitchFamily="49" charset="0"/>
+              </a:rPr>
+              <a:t>:</a:t>
+            </a:r>
+            <a:r>
+              <a:rPr lang="de-DE" sz="1600" dirty="0" err="1">
+                <a:solidFill>
+                  <a:srgbClr val="800000"/>
+                </a:solidFill>
+                <a:latin typeface="Consolas" panose="020B0609020204030204" pitchFamily="49" charset="0"/>
+              </a:rPr>
+              <a:t>RadioButtonList</a:t>
+            </a:r>
+            <a:r>
+              <a:rPr lang="de-DE" sz="1600" dirty="0">
+                <a:solidFill>
+                  <a:srgbClr val="0000FF"/>
+                </a:solidFill>
+                <a:latin typeface="Consolas" panose="020B0609020204030204" pitchFamily="49" charset="0"/>
+              </a:rPr>
+              <a:t>&gt;</a:t>
+            </a:r>
+            <a:endParaRPr lang="de-DE" sz="1600" dirty="0"/>
+          </a:p>
+        </p:txBody>
+      </p:sp>
+      <p:sp>
+        <p:nvSpPr>
+          <p:cNvPr id="9" name="Rechteck 8"/>
+          <p:cNvSpPr/>
+          <p:nvPr/>
+        </p:nvSpPr>
+        <p:spPr>
+          <a:xfrm>
+            <a:off x="6476999" y="5678786"/>
+            <a:ext cx="5280892" cy="584775"/>
+          </a:xfrm>
+          <a:prstGeom prst="rect">
+            <a:avLst/>
+          </a:prstGeom>
+        </p:spPr>
+        <p:txBody>
+          <a:bodyPr wrap="square">
+            <a:spAutoFit/>
+          </a:bodyPr>
+          <a:lstStyle/>
+          <a:p>
+            <a:r>
+              <a:rPr lang="en-US" sz="1600" dirty="0">
+                <a:solidFill>
+                  <a:srgbClr val="0000FF"/>
+                </a:solidFill>
+                <a:latin typeface="Consolas" panose="020B0609020204030204" pitchFamily="49" charset="0"/>
+              </a:rPr>
+              <a:t>&lt;</a:t>
+            </a:r>
+            <a:r>
+              <a:rPr lang="en-US" sz="1600" dirty="0">
+                <a:solidFill>
+                  <a:srgbClr val="800000"/>
+                </a:solidFill>
+                <a:latin typeface="Consolas" panose="020B0609020204030204" pitchFamily="49" charset="0"/>
+              </a:rPr>
+              <a:t>input</a:t>
+            </a:r>
+            <a:r>
+              <a:rPr lang="en-US" sz="1600" dirty="0">
+                <a:solidFill>
+                  <a:srgbClr val="000000"/>
+                </a:solidFill>
+                <a:latin typeface="Consolas" panose="020B0609020204030204" pitchFamily="49" charset="0"/>
+              </a:rPr>
+              <a:t> </a:t>
+            </a:r>
+            <a:r>
+              <a:rPr lang="en-US" sz="1600" dirty="0">
+                <a:solidFill>
+                  <a:srgbClr val="FF0000"/>
+                </a:solidFill>
+                <a:latin typeface="Consolas" panose="020B0609020204030204" pitchFamily="49" charset="0"/>
+              </a:rPr>
+              <a:t>type</a:t>
+            </a:r>
+            <a:r>
+              <a:rPr lang="en-US" sz="1600" dirty="0">
+                <a:solidFill>
+                  <a:srgbClr val="0000FF"/>
+                </a:solidFill>
+                <a:latin typeface="Consolas" panose="020B0609020204030204" pitchFamily="49" charset="0"/>
+              </a:rPr>
+              <a:t>="radio"</a:t>
+            </a:r>
+            <a:r>
+              <a:rPr lang="en-US" sz="1600" dirty="0">
+                <a:solidFill>
+                  <a:srgbClr val="000000"/>
+                </a:solidFill>
+                <a:latin typeface="Consolas" panose="020B0609020204030204" pitchFamily="49" charset="0"/>
+              </a:rPr>
+              <a:t> </a:t>
+            </a:r>
+            <a:r>
+              <a:rPr lang="en-US" sz="1600" dirty="0">
+                <a:solidFill>
+                  <a:srgbClr val="FF0000"/>
+                </a:solidFill>
+                <a:latin typeface="Consolas" panose="020B0609020204030204" pitchFamily="49" charset="0"/>
+              </a:rPr>
+              <a:t>value</a:t>
+            </a:r>
+            <a:r>
+              <a:rPr lang="en-US" sz="1600" dirty="0">
+                <a:solidFill>
+                  <a:srgbClr val="0000FF"/>
+                </a:solidFill>
+                <a:latin typeface="Consolas" panose="020B0609020204030204" pitchFamily="49" charset="0"/>
+              </a:rPr>
+              <a:t>="2" </a:t>
+            </a:r>
+            <a:r>
+              <a:rPr lang="en-US" sz="1600" dirty="0">
+                <a:solidFill>
+                  <a:srgbClr val="FF0000"/>
+                </a:solidFill>
+                <a:latin typeface="Consolas" panose="020B0609020204030204" pitchFamily="49" charset="0"/>
+              </a:rPr>
+              <a:t>name</a:t>
+            </a:r>
+            <a:r>
+              <a:rPr lang="en-US" sz="1600" dirty="0">
+                <a:solidFill>
+                  <a:srgbClr val="0000FF"/>
+                </a:solidFill>
+                <a:latin typeface="Consolas" panose="020B0609020204030204" pitchFamily="49" charset="0"/>
+              </a:rPr>
+              <a:t>="group"/&gt;</a:t>
+            </a:r>
+            <a:endParaRPr lang="en-US" sz="1600" dirty="0">
+              <a:solidFill>
+                <a:srgbClr val="000000"/>
+              </a:solidFill>
+              <a:latin typeface="Consolas" panose="020B0609020204030204" pitchFamily="49" charset="0"/>
+            </a:endParaRPr>
+          </a:p>
+          <a:p>
+            <a:r>
+              <a:rPr lang="en-US" sz="1600" dirty="0">
+                <a:solidFill>
+                  <a:srgbClr val="0000FF"/>
+                </a:solidFill>
+                <a:latin typeface="Consolas" panose="020B0609020204030204" pitchFamily="49" charset="0"/>
+              </a:rPr>
+              <a:t>&lt;</a:t>
+            </a:r>
+            <a:r>
+              <a:rPr lang="en-US" sz="1600" dirty="0">
+                <a:solidFill>
+                  <a:srgbClr val="800000"/>
+                </a:solidFill>
+                <a:latin typeface="Consolas" panose="020B0609020204030204" pitchFamily="49" charset="0"/>
+              </a:rPr>
+              <a:t>input</a:t>
+            </a:r>
+            <a:r>
+              <a:rPr lang="en-US" sz="1600" dirty="0">
+                <a:solidFill>
+                  <a:srgbClr val="000000"/>
+                </a:solidFill>
+                <a:latin typeface="Consolas" panose="020B0609020204030204" pitchFamily="49" charset="0"/>
+              </a:rPr>
+              <a:t> </a:t>
+            </a:r>
+            <a:r>
+              <a:rPr lang="en-US" sz="1600" dirty="0">
+                <a:solidFill>
+                  <a:srgbClr val="FF0000"/>
+                </a:solidFill>
+                <a:latin typeface="Consolas" panose="020B0609020204030204" pitchFamily="49" charset="0"/>
+              </a:rPr>
+              <a:t>type</a:t>
+            </a:r>
+            <a:r>
+              <a:rPr lang="en-US" sz="1600" dirty="0">
+                <a:solidFill>
+                  <a:srgbClr val="0000FF"/>
+                </a:solidFill>
+                <a:latin typeface="Consolas" panose="020B0609020204030204" pitchFamily="49" charset="0"/>
+              </a:rPr>
+              <a:t>="radio"</a:t>
+            </a:r>
+            <a:r>
+              <a:rPr lang="en-US" sz="1600" dirty="0">
+                <a:solidFill>
+                  <a:srgbClr val="000000"/>
+                </a:solidFill>
+                <a:latin typeface="Consolas" panose="020B0609020204030204" pitchFamily="49" charset="0"/>
+              </a:rPr>
+              <a:t> </a:t>
+            </a:r>
+            <a:r>
+              <a:rPr lang="en-US" sz="1600" dirty="0">
+                <a:solidFill>
+                  <a:srgbClr val="FF0000"/>
+                </a:solidFill>
+                <a:latin typeface="Consolas" panose="020B0609020204030204" pitchFamily="49" charset="0"/>
+              </a:rPr>
+              <a:t>value</a:t>
+            </a:r>
+            <a:r>
+              <a:rPr lang="en-US" sz="1600" dirty="0">
+                <a:solidFill>
+                  <a:srgbClr val="0000FF"/>
+                </a:solidFill>
+                <a:latin typeface="Consolas" panose="020B0609020204030204" pitchFamily="49" charset="0"/>
+              </a:rPr>
+              <a:t>="3" </a:t>
+            </a:r>
+            <a:r>
+              <a:rPr lang="en-US" sz="1600" dirty="0">
+                <a:solidFill>
+                  <a:srgbClr val="FF0000"/>
+                </a:solidFill>
+                <a:latin typeface="Consolas" panose="020B0609020204030204" pitchFamily="49" charset="0"/>
+              </a:rPr>
+              <a:t>name</a:t>
+            </a:r>
+            <a:r>
+              <a:rPr lang="en-US" sz="1600" dirty="0">
+                <a:solidFill>
+                  <a:srgbClr val="0000FF"/>
+                </a:solidFill>
+                <a:latin typeface="Consolas" panose="020B0609020204030204" pitchFamily="49" charset="0"/>
+              </a:rPr>
+              <a:t>="group"/&gt;</a:t>
+            </a:r>
+            <a:endParaRPr lang="de-DE" sz="1600" dirty="0"/>
+          </a:p>
+        </p:txBody>
+      </p:sp>
+      <p:sp>
+        <p:nvSpPr>
+          <p:cNvPr id="29" name="Abgerundetes Rechteck 28"/>
+          <p:cNvSpPr/>
+          <p:nvPr/>
+        </p:nvSpPr>
+        <p:spPr>
+          <a:xfrm>
+            <a:off x="838199" y="4109500"/>
+            <a:ext cx="5091546" cy="817636"/>
+          </a:xfrm>
+          <a:prstGeom prst="roundRect">
+            <a:avLst>
+              <a:gd name="adj" fmla="val 0"/>
+            </a:avLst>
+          </a:prstGeom>
+          <a:noFill/>
+          <a:ln>
+            <a:noFill/>
+          </a:ln>
+        </p:spPr>
+        <p:style>
+          <a:lnRef idx="0">
+            <a:scrgbClr r="0" g="0" b="0"/>
+          </a:lnRef>
+          <a:fillRef idx="0">
+            <a:scrgbClr r="0" g="0" b="0"/>
+          </a:fillRef>
+          <a:effectRef idx="0">
+            <a:scrgbClr r="0" g="0" b="0"/>
+          </a:effectRef>
+          <a:fontRef idx="minor">
+            <a:schemeClr val="dk1"/>
+          </a:fontRef>
+        </p:style>
+        <p:txBody>
+          <a:bodyPr rtlCol="0" anchor="ctr"/>
+          <a:lstStyle/>
+          <a:p>
+            <a:r>
+              <a:rPr lang="de-DE" sz="1600" dirty="0">
+                <a:solidFill>
+                  <a:srgbClr val="0000FF"/>
+                </a:solidFill>
+                <a:latin typeface="Consolas" panose="020B0609020204030204" pitchFamily="49" charset="0"/>
+              </a:rPr>
+              <a:t>&lt;</a:t>
+            </a:r>
+            <a:r>
+              <a:rPr lang="de-DE" sz="1600" dirty="0">
+                <a:solidFill>
+                  <a:srgbClr val="800000"/>
+                </a:solidFill>
+                <a:latin typeface="Consolas" panose="020B0609020204030204" pitchFamily="49" charset="0"/>
+              </a:rPr>
+              <a:t>div</a:t>
+            </a:r>
+            <a:r>
+              <a:rPr lang="de-DE" sz="1600" dirty="0">
+                <a:solidFill>
+                  <a:srgbClr val="000000"/>
+                </a:solidFill>
+                <a:latin typeface="Consolas" panose="020B0609020204030204" pitchFamily="49" charset="0"/>
+              </a:rPr>
+              <a:t> </a:t>
+            </a:r>
+            <a:r>
+              <a:rPr lang="de-DE" sz="1600" dirty="0" err="1">
+                <a:solidFill>
+                  <a:srgbClr val="FF0000"/>
+                </a:solidFill>
+                <a:latin typeface="Consolas" panose="020B0609020204030204" pitchFamily="49" charset="0"/>
+              </a:rPr>
+              <a:t>runat</a:t>
+            </a:r>
+            <a:r>
+              <a:rPr lang="de-DE" sz="1600" dirty="0">
+                <a:solidFill>
+                  <a:srgbClr val="0000FF"/>
+                </a:solidFill>
+                <a:latin typeface="Consolas" panose="020B0609020204030204" pitchFamily="49" charset="0"/>
+              </a:rPr>
+              <a:t>="</a:t>
+            </a:r>
+            <a:r>
+              <a:rPr lang="de-DE" sz="1600" dirty="0" err="1">
+                <a:solidFill>
+                  <a:srgbClr val="0000FF"/>
+                </a:solidFill>
+                <a:latin typeface="Consolas" panose="020B0609020204030204" pitchFamily="49" charset="0"/>
+              </a:rPr>
+              <a:t>server</a:t>
+            </a:r>
+            <a:r>
+              <a:rPr lang="de-DE" sz="1600" dirty="0">
+                <a:solidFill>
+                  <a:srgbClr val="0000FF"/>
+                </a:solidFill>
+                <a:latin typeface="Consolas" panose="020B0609020204030204" pitchFamily="49" charset="0"/>
+              </a:rPr>
+              <a:t>"</a:t>
+            </a:r>
+            <a:r>
+              <a:rPr lang="de-DE" sz="1600" dirty="0">
+                <a:solidFill>
+                  <a:srgbClr val="000000"/>
+                </a:solidFill>
+                <a:latin typeface="Consolas" panose="020B0609020204030204" pitchFamily="49" charset="0"/>
+              </a:rPr>
+              <a:t> </a:t>
+            </a:r>
+            <a:r>
+              <a:rPr lang="de-DE" sz="1600" dirty="0" err="1">
+                <a:solidFill>
+                  <a:srgbClr val="FF0000"/>
+                </a:solidFill>
+                <a:latin typeface="Consolas" panose="020B0609020204030204" pitchFamily="49" charset="0"/>
+              </a:rPr>
+              <a:t>id</a:t>
+            </a:r>
+            <a:r>
+              <a:rPr lang="de-DE" sz="1600" dirty="0">
+                <a:solidFill>
+                  <a:srgbClr val="0000FF"/>
+                </a:solidFill>
+                <a:latin typeface="Consolas" panose="020B0609020204030204" pitchFamily="49" charset="0"/>
+              </a:rPr>
+              <a:t>="</a:t>
+            </a:r>
+            <a:r>
+              <a:rPr lang="de-DE" sz="1600" dirty="0" err="1">
+                <a:solidFill>
+                  <a:srgbClr val="0000FF"/>
+                </a:solidFill>
+                <a:latin typeface="Consolas" panose="020B0609020204030204" pitchFamily="49" charset="0"/>
+              </a:rPr>
+              <a:t>ErrorAlert</a:t>
+            </a:r>
+            <a:r>
+              <a:rPr lang="de-DE" sz="1600" dirty="0">
+                <a:solidFill>
+                  <a:srgbClr val="0000FF"/>
+                </a:solidFill>
+                <a:latin typeface="Consolas" panose="020B0609020204030204" pitchFamily="49" charset="0"/>
+              </a:rPr>
+              <a:t>"&gt;</a:t>
+            </a:r>
+            <a:endParaRPr lang="de-DE" sz="1600" dirty="0">
+              <a:solidFill>
+                <a:srgbClr val="000000"/>
+              </a:solidFill>
+              <a:latin typeface="Consolas" panose="020B0609020204030204" pitchFamily="49" charset="0"/>
+            </a:endParaRPr>
+          </a:p>
+          <a:p>
+            <a:r>
+              <a:rPr lang="en-US" sz="1600" dirty="0">
+                <a:solidFill>
+                  <a:srgbClr val="000000"/>
+                </a:solidFill>
+                <a:latin typeface="Consolas" panose="020B0609020204030204" pitchFamily="49" charset="0"/>
+              </a:rPr>
+              <a:t>    </a:t>
+            </a:r>
+            <a:r>
+              <a:rPr lang="en-US" sz="1600" dirty="0">
+                <a:solidFill>
+                  <a:srgbClr val="0000FF"/>
+                </a:solidFill>
+                <a:latin typeface="Consolas" panose="020B0609020204030204" pitchFamily="49" charset="0"/>
+              </a:rPr>
+              <a:t>...</a:t>
+            </a:r>
+            <a:endParaRPr lang="en-US" sz="1600" dirty="0">
+              <a:solidFill>
+                <a:srgbClr val="000000"/>
+              </a:solidFill>
+              <a:latin typeface="Consolas" panose="020B0609020204030204" pitchFamily="49" charset="0"/>
+            </a:endParaRPr>
+          </a:p>
+          <a:p>
+            <a:r>
+              <a:rPr lang="de-DE" sz="1600" dirty="0">
+                <a:solidFill>
+                  <a:srgbClr val="0000FF"/>
+                </a:solidFill>
+                <a:latin typeface="Consolas" panose="020B0609020204030204" pitchFamily="49" charset="0"/>
+              </a:rPr>
+              <a:t>&lt;/</a:t>
+            </a:r>
+            <a:r>
+              <a:rPr lang="de-DE" sz="1600" dirty="0">
+                <a:solidFill>
+                  <a:srgbClr val="800000"/>
+                </a:solidFill>
+                <a:latin typeface="Consolas" panose="020B0609020204030204" pitchFamily="49" charset="0"/>
+              </a:rPr>
+              <a:t>div</a:t>
+            </a:r>
+            <a:r>
+              <a:rPr lang="de-DE" sz="1600" dirty="0">
+                <a:solidFill>
+                  <a:srgbClr val="0000FF"/>
+                </a:solidFill>
+                <a:latin typeface="Consolas" panose="020B0609020204030204" pitchFamily="49" charset="0"/>
+              </a:rPr>
+              <a:t>&gt;</a:t>
+            </a:r>
+            <a:endParaRPr lang="de-DE" sz="1600" dirty="0"/>
+          </a:p>
+        </p:txBody>
+      </p:sp>
+      <p:sp>
+        <p:nvSpPr>
+          <p:cNvPr id="31" name="Abgerundetes Rechteck 30"/>
+          <p:cNvSpPr/>
+          <p:nvPr/>
+        </p:nvSpPr>
+        <p:spPr>
+          <a:xfrm>
+            <a:off x="838199" y="5678786"/>
+            <a:ext cx="5091546" cy="836537"/>
+          </a:xfrm>
+          <a:prstGeom prst="roundRect">
+            <a:avLst>
+              <a:gd name="adj" fmla="val 0"/>
+            </a:avLst>
+          </a:prstGeom>
+          <a:noFill/>
+          <a:ln>
+            <a:noFill/>
+          </a:ln>
+        </p:spPr>
+        <p:style>
+          <a:lnRef idx="0">
+            <a:scrgbClr r="0" g="0" b="0"/>
+          </a:lnRef>
+          <a:fillRef idx="0">
+            <a:scrgbClr r="0" g="0" b="0"/>
+          </a:fillRef>
+          <a:effectRef idx="0">
+            <a:scrgbClr r="0" g="0" b="0"/>
+          </a:effectRef>
+          <a:fontRef idx="minor">
+            <a:schemeClr val="dk1"/>
+          </a:fontRef>
+        </p:style>
+        <p:txBody>
+          <a:bodyPr rtlCol="0" anchor="ctr"/>
+          <a:lstStyle/>
+          <a:p>
+            <a:r>
+              <a:rPr lang="de-DE" sz="1600" dirty="0">
+                <a:solidFill>
+                  <a:srgbClr val="0000FF"/>
+                </a:solidFill>
+                <a:latin typeface="Consolas" panose="020B0609020204030204" pitchFamily="49" charset="0"/>
+              </a:rPr>
+              <a:t>&lt;</a:t>
+            </a:r>
+            <a:r>
+              <a:rPr lang="de-DE" sz="1600" dirty="0">
+                <a:solidFill>
+                  <a:srgbClr val="800000"/>
+                </a:solidFill>
+                <a:latin typeface="Consolas" panose="020B0609020204030204" pitchFamily="49" charset="0"/>
+              </a:rPr>
+              <a:t>div</a:t>
+            </a:r>
+            <a:r>
+              <a:rPr lang="de-DE" sz="1600" dirty="0">
+                <a:solidFill>
+                  <a:srgbClr val="000000"/>
+                </a:solidFill>
+                <a:latin typeface="Consolas" panose="020B0609020204030204" pitchFamily="49" charset="0"/>
+              </a:rPr>
+              <a:t> </a:t>
+            </a:r>
+            <a:r>
+              <a:rPr lang="de-DE" sz="1600" dirty="0" err="1">
+                <a:solidFill>
+                  <a:srgbClr val="FF0000"/>
+                </a:solidFill>
+                <a:latin typeface="Consolas" panose="020B0609020204030204" pitchFamily="49" charset="0"/>
+              </a:rPr>
+              <a:t>id</a:t>
+            </a:r>
+            <a:r>
+              <a:rPr lang="de-DE" sz="1600" dirty="0">
+                <a:solidFill>
+                  <a:srgbClr val="0000FF"/>
+                </a:solidFill>
+                <a:latin typeface="Consolas" panose="020B0609020204030204" pitchFamily="49" charset="0"/>
+              </a:rPr>
+              <a:t>="</a:t>
+            </a:r>
+            <a:r>
+              <a:rPr lang="de-DE" sz="1600" dirty="0" err="1">
+                <a:solidFill>
+                  <a:srgbClr val="0000FF"/>
+                </a:solidFill>
+                <a:latin typeface="Consolas" panose="020B0609020204030204" pitchFamily="49" charset="0"/>
+              </a:rPr>
+              <a:t>MainContent_ErrorAlert</a:t>
+            </a:r>
+            <a:r>
+              <a:rPr lang="de-DE" sz="1600" dirty="0">
+                <a:solidFill>
+                  <a:srgbClr val="0000FF"/>
+                </a:solidFill>
+                <a:latin typeface="Consolas" panose="020B0609020204030204" pitchFamily="49" charset="0"/>
+              </a:rPr>
+              <a:t>"&gt;</a:t>
+            </a:r>
+            <a:endParaRPr lang="de-DE" sz="1600" dirty="0">
+              <a:solidFill>
+                <a:srgbClr val="000000"/>
+              </a:solidFill>
+              <a:latin typeface="Consolas" panose="020B0609020204030204" pitchFamily="49" charset="0"/>
+            </a:endParaRPr>
+          </a:p>
+          <a:p>
+            <a:r>
+              <a:rPr lang="en-US" sz="1600" dirty="0">
+                <a:solidFill>
+                  <a:srgbClr val="000000"/>
+                </a:solidFill>
+                <a:latin typeface="Consolas" panose="020B0609020204030204" pitchFamily="49" charset="0"/>
+              </a:rPr>
+              <a:t>    </a:t>
+            </a:r>
+            <a:r>
+              <a:rPr lang="en-US" sz="1600" dirty="0">
+                <a:solidFill>
+                  <a:srgbClr val="0000FF"/>
+                </a:solidFill>
+                <a:latin typeface="Consolas" panose="020B0609020204030204" pitchFamily="49" charset="0"/>
+              </a:rPr>
+              <a:t>...</a:t>
+            </a:r>
+            <a:endParaRPr lang="en-US" sz="1600" dirty="0">
+              <a:solidFill>
+                <a:srgbClr val="000000"/>
+              </a:solidFill>
+              <a:latin typeface="Consolas" panose="020B0609020204030204" pitchFamily="49" charset="0"/>
+            </a:endParaRPr>
+          </a:p>
+          <a:p>
+            <a:r>
+              <a:rPr lang="de-DE" sz="1600" dirty="0">
+                <a:solidFill>
+                  <a:srgbClr val="0000FF"/>
+                </a:solidFill>
+                <a:latin typeface="Consolas" panose="020B0609020204030204" pitchFamily="49" charset="0"/>
+              </a:rPr>
+              <a:t>&lt;/</a:t>
+            </a:r>
+            <a:r>
+              <a:rPr lang="de-DE" sz="1600" dirty="0">
+                <a:solidFill>
+                  <a:srgbClr val="800000"/>
+                </a:solidFill>
+                <a:latin typeface="Consolas" panose="020B0609020204030204" pitchFamily="49" charset="0"/>
+              </a:rPr>
+              <a:t>div</a:t>
+            </a:r>
+            <a:r>
+              <a:rPr lang="de-DE" sz="1600" dirty="0">
+                <a:solidFill>
+                  <a:srgbClr val="0000FF"/>
+                </a:solidFill>
+                <a:latin typeface="Consolas" panose="020B0609020204030204" pitchFamily="49" charset="0"/>
+              </a:rPr>
+              <a:t>&gt;</a:t>
+            </a:r>
+            <a:endParaRPr lang="de-DE" sz="1600" dirty="0"/>
+          </a:p>
+        </p:txBody>
+      </p:sp>
+      <p:cxnSp>
+        <p:nvCxnSpPr>
+          <p:cNvPr id="32" name="Gekrümmter Verbinder 31"/>
+          <p:cNvCxnSpPr>
+            <a:stCxn id="29" idx="1"/>
+            <a:endCxn id="31" idx="1"/>
+          </p:cNvCxnSpPr>
+          <p:nvPr/>
+        </p:nvCxnSpPr>
+        <p:spPr>
+          <a:xfrm rot="10800000" flipV="1">
+            <a:off x="838199" y="4518317"/>
+            <a:ext cx="12700" cy="1578737"/>
+          </a:xfrm>
+          <a:prstGeom prst="curvedConnector3">
+            <a:avLst>
+              <a:gd name="adj1" fmla="val 5072724"/>
+            </a:avLst>
+          </a:prstGeom>
+          <a:ln w="19050" cap="flat" cmpd="sng" algn="ctr">
+            <a:solidFill>
+              <a:srgbClr val="11E9CF"/>
+            </a:solidFill>
+            <a:prstDash val="solid"/>
+            <a:round/>
+            <a:headEnd type="none" w="med" len="med"/>
+            <a:tailEnd type="arrow" w="med" len="med"/>
+          </a:ln>
+        </p:spPr>
+        <p:style>
+          <a:lnRef idx="0">
+            <a:scrgbClr r="0" g="0" b="0"/>
+          </a:lnRef>
+          <a:fillRef idx="0">
+            <a:scrgbClr r="0" g="0" b="0"/>
+          </a:fillRef>
+          <a:effectRef idx="0">
+            <a:scrgbClr r="0" g="0" b="0"/>
+          </a:effectRef>
+          <a:fontRef idx="minor">
+            <a:schemeClr val="tx1"/>
+          </a:fontRef>
+        </p:style>
+      </p:cxnSp>
+      <p:cxnSp>
+        <p:nvCxnSpPr>
+          <p:cNvPr id="35" name="Gekrümmter Verbinder 34"/>
+          <p:cNvCxnSpPr/>
+          <p:nvPr/>
+        </p:nvCxnSpPr>
+        <p:spPr>
+          <a:xfrm rot="10800000" flipV="1">
+            <a:off x="6464299" y="4518316"/>
+            <a:ext cx="12700" cy="1578737"/>
+          </a:xfrm>
+          <a:prstGeom prst="curvedConnector3">
+            <a:avLst>
+              <a:gd name="adj1" fmla="val 5072724"/>
+            </a:avLst>
+          </a:prstGeom>
+          <a:ln w="19050" cap="flat" cmpd="sng" algn="ctr">
+            <a:solidFill>
+              <a:srgbClr val="11E9CF"/>
+            </a:solidFill>
+            <a:prstDash val="solid"/>
+            <a:round/>
+            <a:headEnd type="none" w="med" len="med"/>
+            <a:tailEnd type="arrow" w="med" len="med"/>
+          </a:ln>
+        </p:spPr>
+        <p:style>
+          <a:lnRef idx="0">
+            <a:scrgbClr r="0" g="0" b="0"/>
+          </a:lnRef>
+          <a:fillRef idx="0">
+            <a:scrgbClr r="0" g="0" b="0"/>
+          </a:fillRef>
+          <a:effectRef idx="0">
+            <a:scrgbClr r="0" g="0" b="0"/>
+          </a:effectRef>
+          <a:fontRef idx="minor">
+            <a:schemeClr val="tx1"/>
+          </a:fontRef>
+        </p:style>
+      </p:cxnSp>
     </p:spTree>
     <p:extLst>
       <p:ext uri="{BB962C8B-B14F-4D97-AF65-F5344CB8AC3E}">
-        <p14:creationId xmlns:p14="http://schemas.microsoft.com/office/powerpoint/2010/main" val="2352808385"/>
+        <p14:creationId xmlns:p14="http://schemas.microsoft.com/office/powerpoint/2010/main" val="2305085737"/>
       </p:ext>
     </p:extLst>
   </p:cSld>
@@ -5569,7 +6941,7 @@
           <a:p>
             <a:r>
               <a:rPr lang="de-DE" dirty="0" smtClean="0"/>
-              <a:t>Controls</a:t>
+              <a:t>Events</a:t>
             </a:r>
             <a:endParaRPr lang="de-DE" dirty="0"/>
           </a:p>
@@ -5592,212 +6964,35 @@
           <a:p>
             <a:r>
               <a:rPr lang="de-DE" dirty="0" err="1" smtClean="0"/>
-              <a:t>Placeholder</a:t>
+              <a:t>OnClick</a:t>
             </a:r>
             <a:endParaRPr lang="de-DE" dirty="0" smtClean="0"/>
           </a:p>
           <a:p>
             <a:r>
-              <a:rPr lang="de-DE" dirty="0" smtClean="0"/>
-              <a:t>Hyperlink</a:t>
-            </a:r>
-          </a:p>
-          <a:p>
-            <a:r>
-              <a:rPr lang="de-DE" dirty="0" smtClean="0"/>
-              <a:t>Image</a:t>
-            </a:r>
-          </a:p>
-          <a:p>
-            <a:r>
-              <a:rPr lang="de-DE" dirty="0" smtClean="0"/>
-              <a:t>Radiobutton</a:t>
-            </a:r>
-          </a:p>
-          <a:p>
-            <a:r>
-              <a:rPr lang="de-DE" dirty="0" smtClean="0"/>
-              <a:t>Checkbox</a:t>
-            </a:r>
-          </a:p>
-          <a:p>
-            <a:r>
               <a:rPr lang="de-DE" dirty="0" err="1" smtClean="0"/>
-              <a:t>Hiddenfield</a:t>
+              <a:t>OnPreRender</a:t>
             </a:r>
             <a:endParaRPr lang="de-DE" dirty="0" smtClean="0"/>
           </a:p>
           <a:p>
             <a:r>
               <a:rPr lang="de-DE" dirty="0" err="1" smtClean="0"/>
-              <a:t>Textbox</a:t>
-            </a:r>
-            <a:r>
-              <a:rPr lang="de-DE" dirty="0" smtClean="0"/>
-              <a:t> </a:t>
-            </a:r>
+              <a:t>OnInit</a:t>
+            </a:r>
+            <a:endParaRPr lang="de-DE" dirty="0" smtClean="0"/>
+          </a:p>
+          <a:p>
             <a:r>
               <a:rPr lang="de-DE" dirty="0" err="1" smtClean="0"/>
-              <a:t>mode</a:t>
-            </a:r>
-            <a:endParaRPr lang="de-DE" dirty="0"/>
-          </a:p>
-        </p:txBody>
-      </p:sp>
-      <p:sp>
-        <p:nvSpPr>
-          <p:cNvPr id="4" name="Rechteck 3"/>
-          <p:cNvSpPr/>
-          <p:nvPr/>
-        </p:nvSpPr>
-        <p:spPr>
-          <a:xfrm>
-            <a:off x="5257800" y="1502459"/>
-            <a:ext cx="6096000" cy="646331"/>
-          </a:xfrm>
-          <a:prstGeom prst="rect">
-            <a:avLst/>
-          </a:prstGeom>
-        </p:spPr>
-        <p:txBody>
-          <a:bodyPr>
-            <a:spAutoFit/>
-          </a:bodyPr>
-          <a:lstStyle/>
-          <a:p>
-            <a:r>
-              <a:rPr lang="de-DE" dirty="0">
-                <a:solidFill>
-                  <a:srgbClr val="000000"/>
-                </a:solidFill>
-                <a:latin typeface="Consolas" panose="020B0609020204030204" pitchFamily="49" charset="0"/>
-              </a:rPr>
-              <a:t> </a:t>
-            </a:r>
-            <a:r>
-              <a:rPr lang="de-DE" dirty="0">
-                <a:solidFill>
-                  <a:srgbClr val="0000FF"/>
-                </a:solidFill>
-                <a:latin typeface="Consolas" panose="020B0609020204030204" pitchFamily="49" charset="0"/>
-              </a:rPr>
-              <a:t>&lt;</a:t>
-            </a:r>
-            <a:r>
-              <a:rPr lang="de-DE" dirty="0" err="1">
-                <a:solidFill>
-                  <a:srgbClr val="800000"/>
-                </a:solidFill>
-                <a:latin typeface="Consolas" panose="020B0609020204030204" pitchFamily="49" charset="0"/>
-              </a:rPr>
-              <a:t>img</a:t>
-            </a:r>
-            <a:r>
-              <a:rPr lang="de-DE" dirty="0">
-                <a:solidFill>
-                  <a:srgbClr val="000000"/>
-                </a:solidFill>
-                <a:latin typeface="Consolas" panose="020B0609020204030204" pitchFamily="49" charset="0"/>
-              </a:rPr>
-              <a:t> </a:t>
-            </a:r>
-            <a:r>
-              <a:rPr lang="de-DE" dirty="0" err="1">
-                <a:solidFill>
-                  <a:srgbClr val="FF0000"/>
-                </a:solidFill>
-                <a:latin typeface="Consolas" panose="020B0609020204030204" pitchFamily="49" charset="0"/>
-              </a:rPr>
-              <a:t>src</a:t>
-            </a:r>
-            <a:r>
-              <a:rPr lang="de-DE" dirty="0">
-                <a:solidFill>
-                  <a:srgbClr val="0000FF"/>
-                </a:solidFill>
-                <a:latin typeface="Consolas" panose="020B0609020204030204" pitchFamily="49" charset="0"/>
-              </a:rPr>
-              <a:t>="~/</a:t>
-            </a:r>
-            <a:r>
-              <a:rPr lang="de-DE" dirty="0" err="1">
-                <a:solidFill>
-                  <a:srgbClr val="0000FF"/>
-                </a:solidFill>
-                <a:latin typeface="Consolas" panose="020B0609020204030204" pitchFamily="49" charset="0"/>
-              </a:rPr>
-              <a:t>images</a:t>
-            </a:r>
-            <a:r>
-              <a:rPr lang="de-DE" dirty="0">
-                <a:solidFill>
-                  <a:srgbClr val="0000FF"/>
-                </a:solidFill>
-                <a:latin typeface="Consolas" panose="020B0609020204030204" pitchFamily="49" charset="0"/>
-              </a:rPr>
-              <a:t>/vespa.jpg"</a:t>
-            </a:r>
-            <a:r>
-              <a:rPr lang="de-DE" dirty="0">
-                <a:solidFill>
-                  <a:srgbClr val="000000"/>
-                </a:solidFill>
-                <a:latin typeface="Consolas" panose="020B0609020204030204" pitchFamily="49" charset="0"/>
-              </a:rPr>
-              <a:t> </a:t>
-            </a:r>
-            <a:r>
-              <a:rPr lang="de-DE" dirty="0" err="1">
-                <a:solidFill>
-                  <a:srgbClr val="FF0000"/>
-                </a:solidFill>
-                <a:latin typeface="Consolas" panose="020B0609020204030204" pitchFamily="49" charset="0"/>
-              </a:rPr>
-              <a:t>runat</a:t>
-            </a:r>
-            <a:r>
-              <a:rPr lang="de-DE" dirty="0">
-                <a:solidFill>
-                  <a:srgbClr val="0000FF"/>
-                </a:solidFill>
-                <a:latin typeface="Consolas" panose="020B0609020204030204" pitchFamily="49" charset="0"/>
-              </a:rPr>
-              <a:t>="</a:t>
-            </a:r>
-            <a:r>
-              <a:rPr lang="de-DE" dirty="0" err="1">
-                <a:solidFill>
-                  <a:srgbClr val="0000FF"/>
-                </a:solidFill>
-                <a:latin typeface="Consolas" panose="020B0609020204030204" pitchFamily="49" charset="0"/>
-              </a:rPr>
-              <a:t>server</a:t>
-            </a:r>
-            <a:r>
-              <a:rPr lang="de-DE" dirty="0">
-                <a:solidFill>
-                  <a:srgbClr val="0000FF"/>
-                </a:solidFill>
-                <a:latin typeface="Consolas" panose="020B0609020204030204" pitchFamily="49" charset="0"/>
-              </a:rPr>
-              <a:t>"/&gt;</a:t>
-            </a:r>
-            <a:endParaRPr lang="de-DE" dirty="0">
-              <a:solidFill>
-                <a:srgbClr val="000000"/>
-              </a:solidFill>
-              <a:latin typeface="Consolas" panose="020B0609020204030204" pitchFamily="49" charset="0"/>
-            </a:endParaRPr>
-          </a:p>
-          <a:p>
-            <a:r>
-              <a:rPr lang="de-DE" dirty="0">
-                <a:solidFill>
-                  <a:srgbClr val="000000"/>
-                </a:solidFill>
-                <a:latin typeface="Consolas" panose="020B0609020204030204" pitchFamily="49" charset="0"/>
-              </a:rPr>
-              <a:t> </a:t>
+              <a:t>OnLoad</a:t>
+            </a:r>
+            <a:endParaRPr lang="de-DE" dirty="0" smtClean="0"/>
+          </a:p>
+          <a:p>
+            <a:r>
+              <a:rPr lang="de-DE" dirty="0" err="1" smtClean="0"/>
+              <a:t>SelectedIndexChanged</a:t>
             </a:r>
             <a:endParaRPr lang="de-DE" dirty="0"/>
           </a:p>
@@ -5806,7 +7001,7 @@
     </p:spTree>
     <p:extLst>
       <p:ext uri="{BB962C8B-B14F-4D97-AF65-F5344CB8AC3E}">
-        <p14:creationId xmlns:p14="http://schemas.microsoft.com/office/powerpoint/2010/main" val="718810327"/>
+        <p14:creationId xmlns:p14="http://schemas.microsoft.com/office/powerpoint/2010/main" val="2352808385"/>
       </p:ext>
     </p:extLst>
   </p:cSld>
@@ -5857,6 +7052,294 @@
           <a:p>
             <a:r>
               <a:rPr lang="de-DE" dirty="0" smtClean="0"/>
+              <a:t>Controls</a:t>
+            </a:r>
+            <a:endParaRPr lang="de-DE" dirty="0"/>
+          </a:p>
+        </p:txBody>
+      </p:sp>
+      <p:sp>
+        <p:nvSpPr>
+          <p:cNvPr id="3" name="Inhaltsplatzhalter 2"/>
+          <p:cNvSpPr>
+            <a:spLocks noGrp="1"/>
+          </p:cNvSpPr>
+          <p:nvPr>
+            <p:ph idx="1"/>
+          </p:nvPr>
+        </p:nvSpPr>
+        <p:spPr/>
+        <p:txBody>
+          <a:bodyPr/>
+          <a:lstStyle/>
+          <a:p>
+            <a:r>
+              <a:rPr lang="de-DE" dirty="0" err="1" smtClean="0"/>
+              <a:t>Placeholder</a:t>
+            </a:r>
+            <a:endParaRPr lang="de-DE" dirty="0" smtClean="0"/>
+          </a:p>
+          <a:p>
+            <a:r>
+              <a:rPr lang="de-DE" dirty="0" smtClean="0"/>
+              <a:t>Hyperlink</a:t>
+            </a:r>
+          </a:p>
+          <a:p>
+            <a:r>
+              <a:rPr lang="de-DE" dirty="0" smtClean="0"/>
+              <a:t>Image</a:t>
+            </a:r>
+          </a:p>
+          <a:p>
+            <a:r>
+              <a:rPr lang="de-DE" dirty="0" smtClean="0"/>
+              <a:t>Radiobutton</a:t>
+            </a:r>
+          </a:p>
+          <a:p>
+            <a:r>
+              <a:rPr lang="de-DE" dirty="0" smtClean="0"/>
+              <a:t>Checkbox</a:t>
+            </a:r>
+          </a:p>
+          <a:p>
+            <a:r>
+              <a:rPr lang="de-DE" dirty="0" err="1" smtClean="0"/>
+              <a:t>Hiddenfield</a:t>
+            </a:r>
+            <a:endParaRPr lang="de-DE" dirty="0" smtClean="0"/>
+          </a:p>
+          <a:p>
+            <a:r>
+              <a:rPr lang="de-DE" dirty="0" err="1" smtClean="0"/>
+              <a:t>Textbox</a:t>
+            </a:r>
+            <a:r>
+              <a:rPr lang="de-DE" dirty="0" smtClean="0"/>
+              <a:t> </a:t>
+            </a:r>
+            <a:r>
+              <a:rPr lang="de-DE" dirty="0" err="1" smtClean="0"/>
+              <a:t>mode</a:t>
+            </a:r>
+            <a:endParaRPr lang="de-DE" dirty="0"/>
+          </a:p>
+        </p:txBody>
+      </p:sp>
+      <p:sp>
+        <p:nvSpPr>
+          <p:cNvPr id="4" name="Rechteck 3"/>
+          <p:cNvSpPr/>
+          <p:nvPr/>
+        </p:nvSpPr>
+        <p:spPr>
+          <a:xfrm>
+            <a:off x="5257800" y="1502459"/>
+            <a:ext cx="6096000" cy="646331"/>
+          </a:xfrm>
+          <a:prstGeom prst="rect">
+            <a:avLst/>
+          </a:prstGeom>
+        </p:spPr>
+        <p:txBody>
+          <a:bodyPr>
+            <a:spAutoFit/>
+          </a:bodyPr>
+          <a:lstStyle/>
+          <a:p>
+            <a:r>
+              <a:rPr lang="de-DE" dirty="0">
+                <a:solidFill>
+                  <a:srgbClr val="000000"/>
+                </a:solidFill>
+                <a:latin typeface="Consolas" panose="020B0609020204030204" pitchFamily="49" charset="0"/>
+              </a:rPr>
+              <a:t> </a:t>
+            </a:r>
+            <a:r>
+              <a:rPr lang="de-DE" dirty="0">
+                <a:solidFill>
+                  <a:srgbClr val="0000FF"/>
+                </a:solidFill>
+                <a:latin typeface="Consolas" panose="020B0609020204030204" pitchFamily="49" charset="0"/>
+              </a:rPr>
+              <a:t>&lt;</a:t>
+            </a:r>
+            <a:r>
+              <a:rPr lang="de-DE" dirty="0" err="1">
+                <a:solidFill>
+                  <a:srgbClr val="800000"/>
+                </a:solidFill>
+                <a:latin typeface="Consolas" panose="020B0609020204030204" pitchFamily="49" charset="0"/>
+              </a:rPr>
+              <a:t>img</a:t>
+            </a:r>
+            <a:r>
+              <a:rPr lang="de-DE" dirty="0">
+                <a:solidFill>
+                  <a:srgbClr val="000000"/>
+                </a:solidFill>
+                <a:latin typeface="Consolas" panose="020B0609020204030204" pitchFamily="49" charset="0"/>
+              </a:rPr>
+              <a:t> </a:t>
+            </a:r>
+            <a:r>
+              <a:rPr lang="de-DE" dirty="0" err="1">
+                <a:solidFill>
+                  <a:srgbClr val="FF0000"/>
+                </a:solidFill>
+                <a:latin typeface="Consolas" panose="020B0609020204030204" pitchFamily="49" charset="0"/>
+              </a:rPr>
+              <a:t>src</a:t>
+            </a:r>
+            <a:r>
+              <a:rPr lang="de-DE" dirty="0">
+                <a:solidFill>
+                  <a:srgbClr val="0000FF"/>
+                </a:solidFill>
+                <a:latin typeface="Consolas" panose="020B0609020204030204" pitchFamily="49" charset="0"/>
+              </a:rPr>
+              <a:t>="~/</a:t>
+            </a:r>
+            <a:r>
+              <a:rPr lang="de-DE" dirty="0" err="1">
+                <a:solidFill>
+                  <a:srgbClr val="0000FF"/>
+                </a:solidFill>
+                <a:latin typeface="Consolas" panose="020B0609020204030204" pitchFamily="49" charset="0"/>
+              </a:rPr>
+              <a:t>images</a:t>
+            </a:r>
+            <a:r>
+              <a:rPr lang="de-DE" dirty="0">
+                <a:solidFill>
+                  <a:srgbClr val="0000FF"/>
+                </a:solidFill>
+                <a:latin typeface="Consolas" panose="020B0609020204030204" pitchFamily="49" charset="0"/>
+              </a:rPr>
+              <a:t>/vespa.jpg"</a:t>
+            </a:r>
+            <a:r>
+              <a:rPr lang="de-DE" dirty="0">
+                <a:solidFill>
+                  <a:srgbClr val="000000"/>
+                </a:solidFill>
+                <a:latin typeface="Consolas" panose="020B0609020204030204" pitchFamily="49" charset="0"/>
+              </a:rPr>
+              <a:t> </a:t>
+            </a:r>
+            <a:r>
+              <a:rPr lang="de-DE" dirty="0" err="1">
+                <a:solidFill>
+                  <a:srgbClr val="FF0000"/>
+                </a:solidFill>
+                <a:latin typeface="Consolas" panose="020B0609020204030204" pitchFamily="49" charset="0"/>
+              </a:rPr>
+              <a:t>runat</a:t>
+            </a:r>
+            <a:r>
+              <a:rPr lang="de-DE" dirty="0">
+                <a:solidFill>
+                  <a:srgbClr val="0000FF"/>
+                </a:solidFill>
+                <a:latin typeface="Consolas" panose="020B0609020204030204" pitchFamily="49" charset="0"/>
+              </a:rPr>
+              <a:t>="</a:t>
+            </a:r>
+            <a:r>
+              <a:rPr lang="de-DE" dirty="0" err="1">
+                <a:solidFill>
+                  <a:srgbClr val="0000FF"/>
+                </a:solidFill>
+                <a:latin typeface="Consolas" panose="020B0609020204030204" pitchFamily="49" charset="0"/>
+              </a:rPr>
+              <a:t>server</a:t>
+            </a:r>
+            <a:r>
+              <a:rPr lang="de-DE" dirty="0">
+                <a:solidFill>
+                  <a:srgbClr val="0000FF"/>
+                </a:solidFill>
+                <a:latin typeface="Consolas" panose="020B0609020204030204" pitchFamily="49" charset="0"/>
+              </a:rPr>
+              <a:t>"/&gt;</a:t>
+            </a:r>
+            <a:endParaRPr lang="de-DE" dirty="0">
+              <a:solidFill>
+                <a:srgbClr val="000000"/>
+              </a:solidFill>
+              <a:latin typeface="Consolas" panose="020B0609020204030204" pitchFamily="49" charset="0"/>
+            </a:endParaRPr>
+          </a:p>
+          <a:p>
+            <a:r>
+              <a:rPr lang="de-DE" dirty="0">
+                <a:solidFill>
+                  <a:srgbClr val="000000"/>
+                </a:solidFill>
+                <a:latin typeface="Consolas" panose="020B0609020204030204" pitchFamily="49" charset="0"/>
+              </a:rPr>
+              <a:t> </a:t>
+            </a:r>
+            <a:endParaRPr lang="de-DE" dirty="0"/>
+          </a:p>
+        </p:txBody>
+      </p:sp>
+    </p:spTree>
+    <p:extLst>
+      <p:ext uri="{BB962C8B-B14F-4D97-AF65-F5344CB8AC3E}">
+        <p14:creationId xmlns:p14="http://schemas.microsoft.com/office/powerpoint/2010/main" val="718810327"/>
+      </p:ext>
+    </p:extLst>
+  </p:cSld>
+  <p:clrMapOvr>
+    <a:masterClrMapping/>
+  </p:clrMapOvr>
+  <p:timing>
+    <p:tnLst>
+      <p:par>
+        <p:cTn id="1" dur="indefinite" restart="never" nodeType="tmRoot"/>
+      </p:par>
+    </p:tnLst>
+  </p:timing>
+</p:sld>
+</file>
+
+<file path=ppt/slides/slide13.xml><?xml version="1.0" encoding="utf-8"?>
+<p:sld xmlns:a="http://schemas.openxmlformats.org/drawingml/2006/main" xmlns:r="http://schemas.openxmlformats.org/officeDocument/2006/relationships" xmlns:p="http://schemas.openxmlformats.org/presentationml/2006/main">
+  <p:cSld>
+    <p:spTree>
+      <p:nvGrpSpPr>
+        <p:cNvPr id="1" name=""/>
+        <p:cNvGrpSpPr/>
+        <p:nvPr/>
+      </p:nvGrpSpPr>
+      <p:grpSpPr>
+        <a:xfrm>
+          <a:off x="0" y="0"/>
+          <a:ext cx="0" cy="0"/>
+          <a:chOff x="0" y="0"/>
+          <a:chExt cx="0" cy="0"/>
+        </a:xfrm>
+      </p:grpSpPr>
+      <p:sp>
+        <p:nvSpPr>
+          <p:cNvPr id="2" name="Titel 1"/>
+          <p:cNvSpPr>
+            <a:spLocks noGrp="1"/>
+          </p:cNvSpPr>
+          <p:nvPr>
+            <p:ph type="title"/>
+          </p:nvPr>
+        </p:nvSpPr>
+        <p:spPr/>
+        <p:txBody>
+          <a:bodyPr/>
+          <a:lstStyle/>
+          <a:p>
+            <a:r>
+              <a:rPr lang="de-DE" dirty="0" smtClean="0"/>
               <a:t>Zweifelhafte Controls</a:t>
             </a:r>
             <a:endParaRPr lang="de-DE" dirty="0"/>
@@ -5939,7 +7422,7 @@
 </p:sld>
 </file>
 
-<file path=ppt/slides/slide13.xml><?xml version="1.0" encoding="utf-8"?>
+<file path=ppt/slides/slide14.xml><?xml version="1.0" encoding="utf-8"?>
 <p:sld xmlns:a="http://schemas.openxmlformats.org/drawingml/2006/main" xmlns:r="http://schemas.openxmlformats.org/officeDocument/2006/relationships" xmlns:p="http://schemas.openxmlformats.org/presentationml/2006/main">
   <p:cSld>
     <p:spTree>
@@ -8342,6 +9825,107 @@
       </p:grpSpPr>
       <p:sp>
         <p:nvSpPr>
+          <p:cNvPr id="2" name="Titel 1"/>
+          <p:cNvSpPr>
+            <a:spLocks noGrp="1"/>
+          </p:cNvSpPr>
+          <p:nvPr>
+            <p:ph type="title"/>
+          </p:nvPr>
+        </p:nvSpPr>
+        <p:spPr/>
+        <p:txBody>
+          <a:bodyPr/>
+          <a:lstStyle/>
+          <a:p>
+            <a:r>
+              <a:rPr lang="de-DE" dirty="0" smtClean="0"/>
+              <a:t>Page Direktive</a:t>
+            </a:r>
+            <a:endParaRPr lang="de-DE" dirty="0"/>
+          </a:p>
+        </p:txBody>
+      </p:sp>
+      <p:sp>
+        <p:nvSpPr>
+          <p:cNvPr id="3" name="Inhaltsplatzhalter 2"/>
+          <p:cNvSpPr>
+            <a:spLocks noGrp="1"/>
+          </p:cNvSpPr>
+          <p:nvPr>
+            <p:ph idx="1"/>
+          </p:nvPr>
+        </p:nvSpPr>
+        <p:spPr/>
+        <p:txBody>
+          <a:bodyPr/>
+          <a:lstStyle/>
+          <a:p>
+            <a:r>
+              <a:rPr lang="de-DE" dirty="0" err="1" smtClean="0"/>
+              <a:t>MaintainScrollpositionOnPostback</a:t>
+            </a:r>
+            <a:endParaRPr lang="de-DE" dirty="0" smtClean="0"/>
+          </a:p>
+          <a:p>
+            <a:r>
+              <a:rPr lang="de-DE" dirty="0" err="1" smtClean="0"/>
+              <a:t>EnableViewstate</a:t>
+            </a:r>
+            <a:endParaRPr lang="de-DE" dirty="0" smtClean="0"/>
+          </a:p>
+          <a:p>
+            <a:r>
+              <a:rPr lang="de-DE" dirty="0" err="1" smtClean="0"/>
+              <a:t>AutoEventWireUp</a:t>
+            </a:r>
+            <a:endParaRPr lang="de-DE" dirty="0" smtClean="0"/>
+          </a:p>
+          <a:p>
+            <a:r>
+              <a:rPr lang="de-DE" dirty="0" smtClean="0"/>
+              <a:t>Culture </a:t>
+            </a:r>
+            <a:r>
+              <a:rPr lang="de-DE" smtClean="0"/>
+              <a:t>UICulture</a:t>
+            </a:r>
+            <a:endParaRPr lang="de-DE" dirty="0"/>
+          </a:p>
+        </p:txBody>
+      </p:sp>
+    </p:spTree>
+    <p:extLst>
+      <p:ext uri="{BB962C8B-B14F-4D97-AF65-F5344CB8AC3E}">
+        <p14:creationId xmlns:p14="http://schemas.microsoft.com/office/powerpoint/2010/main" val="1431792162"/>
+      </p:ext>
+    </p:extLst>
+  </p:cSld>
+  <p:clrMapOvr>
+    <a:masterClrMapping/>
+  </p:clrMapOvr>
+</p:sld>
+</file>
+
+<file path=ppt/slides/slide7.xml><?xml version="1.0" encoding="utf-8"?>
+<p:sld xmlns:a="http://schemas.openxmlformats.org/drawingml/2006/main" xmlns:r="http://schemas.openxmlformats.org/officeDocument/2006/relationships" xmlns:p="http://schemas.openxmlformats.org/presentationml/2006/main">
+  <p:cSld>
+    <p:spTree>
+      <p:nvGrpSpPr>
+        <p:cNvPr id="1" name=""/>
+        <p:cNvGrpSpPr/>
+        <p:nvPr/>
+      </p:nvGrpSpPr>
+      <p:grpSpPr>
+        <a:xfrm>
+          <a:off x="0" y="0"/>
+          <a:ext cx="0" cy="0"/>
+          <a:chOff x="0" y="0"/>
+          <a:chExt cx="0" cy="0"/>
+        </a:xfrm>
+      </p:grpSpPr>
+      <p:sp>
+        <p:nvSpPr>
           <p:cNvPr id="9218" name="Rectangle 2"/>
           <p:cNvSpPr>
             <a:spLocks noGrp="1" noChangeArrowheads="1"/>
@@ -9015,7 +10599,7 @@
 </p:sld>
 </file>
 
-<file path=ppt/slides/slide7.xml><?xml version="1.0" encoding="utf-8"?>
+<file path=ppt/slides/slide8.xml><?xml version="1.0" encoding="utf-8"?>
 <p:sld xmlns:a="http://schemas.openxmlformats.org/drawingml/2006/main" xmlns:r="http://schemas.openxmlformats.org/officeDocument/2006/relationships" xmlns:p="http://schemas.openxmlformats.org/presentationml/2006/main">
   <p:cSld>
     <p:spTree>
@@ -9182,561 +10766,6 @@
 </p:sld>
 </file>
 
-<file path=ppt/slides/slide8.xml><?xml version="1.0" encoding="utf-8"?>
-<p:sld xmlns:a="http://schemas.openxmlformats.org/drawingml/2006/main" xmlns:r="http://schemas.openxmlformats.org/officeDocument/2006/relationships" xmlns:p="http://schemas.openxmlformats.org/presentationml/2006/main">
-  <p:cSld>
-    <p:spTree>
-      <p:nvGrpSpPr>
-        <p:cNvPr id="1" name=""/>
-        <p:cNvGrpSpPr/>
-        <p:nvPr/>
-      </p:nvGrpSpPr>
-      <p:grpSpPr>
-        <a:xfrm>
-          <a:off x="0" y="0"/>
-          <a:ext cx="0" cy="0"/>
-          <a:chOff x="0" y="0"/>
-          <a:chExt cx="0" cy="0"/>
-        </a:xfrm>
-      </p:grpSpPr>
-      <p:sp>
-        <p:nvSpPr>
-          <p:cNvPr id="2" name="Titel 1"/>
-          <p:cNvSpPr>
-            <a:spLocks noGrp="1"/>
-          </p:cNvSpPr>
-          <p:nvPr>
-            <p:ph type="title"/>
-          </p:nvPr>
-        </p:nvSpPr>
-        <p:spPr/>
-        <p:txBody>
-          <a:bodyPr/>
-          <a:lstStyle/>
-          <a:p>
-            <a:r>
-              <a:rPr lang="de-DE" dirty="0" smtClean="0"/>
-              <a:t>Controls schachteln</a:t>
-            </a:r>
-            <a:endParaRPr lang="de-DE" dirty="0"/>
-          </a:p>
-        </p:txBody>
-      </p:sp>
-      <p:sp>
-        <p:nvSpPr>
-          <p:cNvPr id="3" name="Inhaltsplatzhalter 2"/>
-          <p:cNvSpPr>
-            <a:spLocks noGrp="1"/>
-          </p:cNvSpPr>
-          <p:nvPr>
-            <p:ph idx="1"/>
-          </p:nvPr>
-        </p:nvSpPr>
-        <p:spPr/>
-        <p:txBody>
-          <a:bodyPr/>
-          <a:lstStyle/>
-          <a:p>
-            <a:r>
-              <a:rPr lang="de-DE" dirty="0" smtClean="0"/>
-              <a:t>Panel </a:t>
-            </a:r>
-            <a:endParaRPr lang="de-DE" dirty="0"/>
-          </a:p>
-        </p:txBody>
-      </p:sp>
-      <p:sp>
-        <p:nvSpPr>
-          <p:cNvPr id="4" name="Rechteck 3"/>
-          <p:cNvSpPr/>
-          <p:nvPr/>
-        </p:nvSpPr>
-        <p:spPr>
-          <a:xfrm>
-            <a:off x="5047067" y="1825625"/>
-            <a:ext cx="6096000" cy="1754326"/>
-          </a:xfrm>
-          <a:prstGeom prst="rect">
-            <a:avLst/>
-          </a:prstGeom>
-        </p:spPr>
-        <p:txBody>
-          <a:bodyPr>
-            <a:spAutoFit/>
-          </a:bodyPr>
-          <a:lstStyle/>
-          <a:p>
-            <a:r>
-              <a:rPr lang="en-US" dirty="0">
-                <a:solidFill>
-                  <a:srgbClr val="000000"/>
-                </a:solidFill>
-                <a:latin typeface="Consolas" panose="020B0609020204030204" pitchFamily="49" charset="0"/>
-              </a:rPr>
-              <a:t> </a:t>
-            </a:r>
-            <a:r>
-              <a:rPr lang="en-US" dirty="0">
-                <a:solidFill>
-                  <a:srgbClr val="0000FF"/>
-                </a:solidFill>
-                <a:latin typeface="Consolas" panose="020B0609020204030204" pitchFamily="49" charset="0"/>
-              </a:rPr>
-              <a:t>&lt;</a:t>
-            </a:r>
-            <a:r>
-              <a:rPr lang="en-US" dirty="0" err="1">
-                <a:solidFill>
-                  <a:srgbClr val="800000"/>
-                </a:solidFill>
-                <a:latin typeface="Consolas" panose="020B0609020204030204" pitchFamily="49" charset="0"/>
-              </a:rPr>
-              <a:t>asp</a:t>
-            </a:r>
-            <a:r>
-              <a:rPr lang="en-US" dirty="0" err="1">
-                <a:solidFill>
-                  <a:srgbClr val="0000FF"/>
-                </a:solidFill>
-                <a:latin typeface="Consolas" panose="020B0609020204030204" pitchFamily="49" charset="0"/>
-              </a:rPr>
-              <a:t>:</a:t>
-            </a:r>
-            <a:r>
-              <a:rPr lang="en-US" dirty="0" err="1">
-                <a:solidFill>
-                  <a:srgbClr val="800000"/>
-                </a:solidFill>
-                <a:latin typeface="Consolas" panose="020B0609020204030204" pitchFamily="49" charset="0"/>
-              </a:rPr>
-              <a:t>Panel</a:t>
-            </a:r>
-            <a:r>
-              <a:rPr lang="en-US" dirty="0">
-                <a:solidFill>
-                  <a:srgbClr val="000000"/>
-                </a:solidFill>
-                <a:latin typeface="Consolas" panose="020B0609020204030204" pitchFamily="49" charset="0"/>
-              </a:rPr>
-              <a:t> </a:t>
-            </a:r>
-            <a:r>
-              <a:rPr lang="en-US" dirty="0">
-                <a:solidFill>
-                  <a:srgbClr val="FF0000"/>
-                </a:solidFill>
-                <a:latin typeface="Consolas" panose="020B0609020204030204" pitchFamily="49" charset="0"/>
-              </a:rPr>
-              <a:t>ID</a:t>
-            </a:r>
-            <a:r>
-              <a:rPr lang="en-US" dirty="0">
-                <a:solidFill>
-                  <a:srgbClr val="0000FF"/>
-                </a:solidFill>
-                <a:latin typeface="Consolas" panose="020B0609020204030204" pitchFamily="49" charset="0"/>
-              </a:rPr>
-              <a:t>="Panel1"</a:t>
-            </a:r>
-            <a:r>
-              <a:rPr lang="en-US" dirty="0">
-                <a:solidFill>
-                  <a:srgbClr val="000000"/>
-                </a:solidFill>
-                <a:latin typeface="Consolas" panose="020B0609020204030204" pitchFamily="49" charset="0"/>
-              </a:rPr>
-              <a:t> </a:t>
-            </a:r>
-            <a:r>
-              <a:rPr lang="en-US" dirty="0" err="1">
-                <a:solidFill>
-                  <a:srgbClr val="FF0000"/>
-                </a:solidFill>
-                <a:latin typeface="Consolas" panose="020B0609020204030204" pitchFamily="49" charset="0"/>
-              </a:rPr>
-              <a:t>runat</a:t>
-            </a:r>
-            <a:r>
-              <a:rPr lang="en-US" dirty="0">
-                <a:solidFill>
-                  <a:srgbClr val="0000FF"/>
-                </a:solidFill>
-                <a:latin typeface="Consolas" panose="020B0609020204030204" pitchFamily="49" charset="0"/>
-              </a:rPr>
-              <a:t>="server"&gt;</a:t>
-            </a:r>
-            <a:endParaRPr lang="en-US" dirty="0">
-              <a:solidFill>
-                <a:srgbClr val="000000"/>
-              </a:solidFill>
-              <a:latin typeface="Consolas" panose="020B0609020204030204" pitchFamily="49" charset="0"/>
-            </a:endParaRPr>
-          </a:p>
-          <a:p>
-            <a:r>
-              <a:rPr lang="de-DE" dirty="0">
-                <a:solidFill>
-                  <a:srgbClr val="000000"/>
-                </a:solidFill>
-                <a:latin typeface="Consolas" panose="020B0609020204030204" pitchFamily="49" charset="0"/>
-              </a:rPr>
-              <a:t>                  </a:t>
-            </a:r>
-            <a:r>
-              <a:rPr lang="de-DE" dirty="0">
-                <a:solidFill>
-                  <a:srgbClr val="0000FF"/>
-                </a:solidFill>
-                <a:latin typeface="Consolas" panose="020B0609020204030204" pitchFamily="49" charset="0"/>
-              </a:rPr>
-              <a:t>&lt;</a:t>
-            </a:r>
-            <a:r>
-              <a:rPr lang="de-DE" dirty="0" err="1">
-                <a:solidFill>
-                  <a:srgbClr val="800000"/>
-                </a:solidFill>
-                <a:latin typeface="Consolas" panose="020B0609020204030204" pitchFamily="49" charset="0"/>
-              </a:rPr>
-              <a:t>asp</a:t>
-            </a:r>
-            <a:r>
-              <a:rPr lang="de-DE" dirty="0" err="1">
-                <a:solidFill>
-                  <a:srgbClr val="0000FF"/>
-                </a:solidFill>
-                <a:latin typeface="Consolas" panose="020B0609020204030204" pitchFamily="49" charset="0"/>
-              </a:rPr>
-              <a:t>:</a:t>
-            </a:r>
-            <a:r>
-              <a:rPr lang="de-DE" dirty="0" err="1">
-                <a:solidFill>
-                  <a:srgbClr val="800000"/>
-                </a:solidFill>
-                <a:latin typeface="Consolas" panose="020B0609020204030204" pitchFamily="49" charset="0"/>
-              </a:rPr>
-              <a:t>Button</a:t>
-            </a:r>
-            <a:r>
-              <a:rPr lang="de-DE" dirty="0">
-                <a:solidFill>
-                  <a:srgbClr val="000000"/>
-                </a:solidFill>
-                <a:latin typeface="Consolas" panose="020B0609020204030204" pitchFamily="49" charset="0"/>
-              </a:rPr>
-              <a:t> </a:t>
-            </a:r>
-            <a:r>
-              <a:rPr lang="de-DE" dirty="0">
-                <a:solidFill>
-                  <a:srgbClr val="FF0000"/>
-                </a:solidFill>
-                <a:latin typeface="Consolas" panose="020B0609020204030204" pitchFamily="49" charset="0"/>
-              </a:rPr>
-              <a:t>ID</a:t>
-            </a:r>
-            <a:r>
-              <a:rPr lang="de-DE" dirty="0">
-                <a:solidFill>
-                  <a:srgbClr val="0000FF"/>
-                </a:solidFill>
-                <a:latin typeface="Consolas" panose="020B0609020204030204" pitchFamily="49" charset="0"/>
-              </a:rPr>
-              <a:t>="Button1"</a:t>
-            </a:r>
-            <a:r>
-              <a:rPr lang="de-DE" dirty="0">
-                <a:solidFill>
-                  <a:srgbClr val="000000"/>
-                </a:solidFill>
-                <a:latin typeface="Consolas" panose="020B0609020204030204" pitchFamily="49" charset="0"/>
-              </a:rPr>
-              <a:t> </a:t>
-            </a:r>
-            <a:r>
-              <a:rPr lang="de-DE" dirty="0" err="1">
-                <a:solidFill>
-                  <a:srgbClr val="FF0000"/>
-                </a:solidFill>
-                <a:latin typeface="Consolas" panose="020B0609020204030204" pitchFamily="49" charset="0"/>
-              </a:rPr>
-              <a:t>runat</a:t>
-            </a:r>
-            <a:r>
-              <a:rPr lang="de-DE" dirty="0">
-                <a:solidFill>
-                  <a:srgbClr val="0000FF"/>
-                </a:solidFill>
-                <a:latin typeface="Consolas" panose="020B0609020204030204" pitchFamily="49" charset="0"/>
-              </a:rPr>
-              <a:t>="</a:t>
-            </a:r>
-            <a:r>
-              <a:rPr lang="de-DE" dirty="0" err="1">
-                <a:solidFill>
-                  <a:srgbClr val="0000FF"/>
-                </a:solidFill>
-                <a:latin typeface="Consolas" panose="020B0609020204030204" pitchFamily="49" charset="0"/>
-              </a:rPr>
-              <a:t>server</a:t>
-            </a:r>
-            <a:r>
-              <a:rPr lang="de-DE" dirty="0">
-                <a:solidFill>
-                  <a:srgbClr val="0000FF"/>
-                </a:solidFill>
-                <a:latin typeface="Consolas" panose="020B0609020204030204" pitchFamily="49" charset="0"/>
-              </a:rPr>
-              <a:t>"</a:t>
-            </a:r>
-            <a:r>
-              <a:rPr lang="de-DE" dirty="0">
-                <a:solidFill>
-                  <a:srgbClr val="000000"/>
-                </a:solidFill>
-                <a:latin typeface="Consolas" panose="020B0609020204030204" pitchFamily="49" charset="0"/>
-              </a:rPr>
-              <a:t> </a:t>
-            </a:r>
-            <a:r>
-              <a:rPr lang="de-DE" dirty="0">
-                <a:solidFill>
-                  <a:srgbClr val="FF0000"/>
-                </a:solidFill>
-                <a:latin typeface="Consolas" panose="020B0609020204030204" pitchFamily="49" charset="0"/>
-              </a:rPr>
-              <a:t>Text</a:t>
-            </a:r>
-            <a:r>
-              <a:rPr lang="de-DE" dirty="0">
-                <a:solidFill>
-                  <a:srgbClr val="0000FF"/>
-                </a:solidFill>
-                <a:latin typeface="Consolas" panose="020B0609020204030204" pitchFamily="49" charset="0"/>
-              </a:rPr>
-              <a:t>="Button"</a:t>
-            </a:r>
-            <a:r>
-              <a:rPr lang="de-DE" dirty="0">
-                <a:solidFill>
-                  <a:srgbClr val="000000"/>
-                </a:solidFill>
-                <a:latin typeface="Consolas" panose="020B0609020204030204" pitchFamily="49" charset="0"/>
-              </a:rPr>
-              <a:t> </a:t>
-            </a:r>
-            <a:r>
-              <a:rPr lang="de-DE" dirty="0">
-                <a:solidFill>
-                  <a:srgbClr val="0000FF"/>
-                </a:solidFill>
-                <a:latin typeface="Consolas" panose="020B0609020204030204" pitchFamily="49" charset="0"/>
-              </a:rPr>
-              <a:t>/&gt;</a:t>
-            </a:r>
-            <a:endParaRPr lang="de-DE" dirty="0">
-              <a:solidFill>
-                <a:srgbClr val="000000"/>
-              </a:solidFill>
-              <a:latin typeface="Consolas" panose="020B0609020204030204" pitchFamily="49" charset="0"/>
-            </a:endParaRPr>
-          </a:p>
-          <a:p>
-            <a:r>
-              <a:rPr lang="de-DE" dirty="0">
-                <a:solidFill>
-                  <a:srgbClr val="000000"/>
-                </a:solidFill>
-                <a:latin typeface="Consolas" panose="020B0609020204030204" pitchFamily="49" charset="0"/>
-              </a:rPr>
-              <a:t>            </a:t>
-            </a:r>
-            <a:r>
-              <a:rPr lang="de-DE" dirty="0">
-                <a:solidFill>
-                  <a:srgbClr val="0000FF"/>
-                </a:solidFill>
-                <a:latin typeface="Consolas" panose="020B0609020204030204" pitchFamily="49" charset="0"/>
-              </a:rPr>
-              <a:t>&lt;</a:t>
-            </a:r>
-            <a:r>
-              <a:rPr lang="de-DE" dirty="0" err="1">
-                <a:solidFill>
-                  <a:srgbClr val="800000"/>
-                </a:solidFill>
-                <a:latin typeface="Consolas" panose="020B0609020204030204" pitchFamily="49" charset="0"/>
-              </a:rPr>
-              <a:t>asp</a:t>
-            </a:r>
-            <a:r>
-              <a:rPr lang="de-DE" dirty="0" err="1">
-                <a:solidFill>
-                  <a:srgbClr val="0000FF"/>
-                </a:solidFill>
-                <a:latin typeface="Consolas" panose="020B0609020204030204" pitchFamily="49" charset="0"/>
-              </a:rPr>
-              <a:t>:</a:t>
-            </a:r>
-            <a:r>
-              <a:rPr lang="de-DE" dirty="0" err="1">
-                <a:solidFill>
-                  <a:srgbClr val="800000"/>
-                </a:solidFill>
-                <a:latin typeface="Consolas" panose="020B0609020204030204" pitchFamily="49" charset="0"/>
-              </a:rPr>
-              <a:t>TextBox</a:t>
-            </a:r>
-            <a:r>
-              <a:rPr lang="de-DE" dirty="0">
-                <a:solidFill>
-                  <a:srgbClr val="000000"/>
-                </a:solidFill>
-                <a:latin typeface="Consolas" panose="020B0609020204030204" pitchFamily="49" charset="0"/>
-              </a:rPr>
-              <a:t> </a:t>
-            </a:r>
-            <a:r>
-              <a:rPr lang="de-DE" dirty="0">
-                <a:solidFill>
-                  <a:srgbClr val="FF0000"/>
-                </a:solidFill>
-                <a:latin typeface="Consolas" panose="020B0609020204030204" pitchFamily="49" charset="0"/>
-              </a:rPr>
-              <a:t>ID</a:t>
-            </a:r>
-            <a:r>
-              <a:rPr lang="de-DE" dirty="0">
-                <a:solidFill>
-                  <a:srgbClr val="0000FF"/>
-                </a:solidFill>
-                <a:latin typeface="Consolas" panose="020B0609020204030204" pitchFamily="49" charset="0"/>
-              </a:rPr>
-              <a:t>="TextBox1"</a:t>
-            </a:r>
-            <a:r>
-              <a:rPr lang="de-DE" dirty="0">
-                <a:solidFill>
-                  <a:srgbClr val="000000"/>
-                </a:solidFill>
-                <a:latin typeface="Consolas" panose="020B0609020204030204" pitchFamily="49" charset="0"/>
-              </a:rPr>
-              <a:t> </a:t>
-            </a:r>
-            <a:r>
-              <a:rPr lang="de-DE" dirty="0" err="1">
-                <a:solidFill>
-                  <a:srgbClr val="FF0000"/>
-                </a:solidFill>
-                <a:latin typeface="Consolas" panose="020B0609020204030204" pitchFamily="49" charset="0"/>
-              </a:rPr>
-              <a:t>runat</a:t>
-            </a:r>
-            <a:r>
-              <a:rPr lang="de-DE" dirty="0">
-                <a:solidFill>
-                  <a:srgbClr val="0000FF"/>
-                </a:solidFill>
-                <a:latin typeface="Consolas" panose="020B0609020204030204" pitchFamily="49" charset="0"/>
-              </a:rPr>
-              <a:t>="</a:t>
-            </a:r>
-            <a:r>
-              <a:rPr lang="de-DE" dirty="0" err="1">
-                <a:solidFill>
-                  <a:srgbClr val="0000FF"/>
-                </a:solidFill>
-                <a:latin typeface="Consolas" panose="020B0609020204030204" pitchFamily="49" charset="0"/>
-              </a:rPr>
-              <a:t>server</a:t>
-            </a:r>
-            <a:r>
-              <a:rPr lang="de-DE" dirty="0">
-                <a:solidFill>
-                  <a:srgbClr val="0000FF"/>
-                </a:solidFill>
-                <a:latin typeface="Consolas" panose="020B0609020204030204" pitchFamily="49" charset="0"/>
-              </a:rPr>
-              <a:t>"&gt;&lt;/</a:t>
-            </a:r>
-            <a:r>
-              <a:rPr lang="de-DE" dirty="0" err="1">
-                <a:solidFill>
-                  <a:srgbClr val="800000"/>
-                </a:solidFill>
-                <a:latin typeface="Consolas" panose="020B0609020204030204" pitchFamily="49" charset="0"/>
-              </a:rPr>
-              <a:t>asp</a:t>
-            </a:r>
-            <a:r>
-              <a:rPr lang="de-DE" dirty="0" err="1">
-                <a:solidFill>
-                  <a:srgbClr val="0000FF"/>
-                </a:solidFill>
-                <a:latin typeface="Consolas" panose="020B0609020204030204" pitchFamily="49" charset="0"/>
-              </a:rPr>
-              <a:t>:</a:t>
-            </a:r>
-            <a:r>
-              <a:rPr lang="de-DE" dirty="0" err="1">
-                <a:solidFill>
-                  <a:srgbClr val="800000"/>
-                </a:solidFill>
-                <a:latin typeface="Consolas" panose="020B0609020204030204" pitchFamily="49" charset="0"/>
-              </a:rPr>
-              <a:t>TextBox</a:t>
-            </a:r>
-            <a:r>
-              <a:rPr lang="de-DE" dirty="0">
-                <a:solidFill>
-                  <a:srgbClr val="0000FF"/>
-                </a:solidFill>
-                <a:latin typeface="Consolas" panose="020B0609020204030204" pitchFamily="49" charset="0"/>
-              </a:rPr>
-              <a:t>&gt;</a:t>
-            </a:r>
-            <a:endParaRPr lang="de-DE" dirty="0">
-              <a:solidFill>
-                <a:srgbClr val="000000"/>
-              </a:solidFill>
-              <a:latin typeface="Consolas" panose="020B0609020204030204" pitchFamily="49" charset="0"/>
-            </a:endParaRPr>
-          </a:p>
-          <a:p>
-            <a:r>
-              <a:rPr lang="de-DE" dirty="0">
-                <a:solidFill>
-                  <a:srgbClr val="000000"/>
-                </a:solidFill>
-                <a:latin typeface="Consolas" panose="020B0609020204030204" pitchFamily="49" charset="0"/>
-              </a:rPr>
-              <a:t> </a:t>
-            </a:r>
-            <a:endParaRPr lang="de-DE" dirty="0"/>
-          </a:p>
-        </p:txBody>
-      </p:sp>
-    </p:spTree>
-    <p:extLst>
-      <p:ext uri="{BB962C8B-B14F-4D97-AF65-F5344CB8AC3E}">
-        <p14:creationId xmlns:p14="http://schemas.microsoft.com/office/powerpoint/2010/main" val="3070952647"/>
-      </p:ext>
-    </p:extLst>
-  </p:cSld>
-  <p:clrMapOvr>
-    <a:masterClrMapping/>
-  </p:clrMapOvr>
-  <p:timing>
-    <p:tnLst>
-      <p:par>
-        <p:cTn id="1" dur="indefinite" restart="never" nodeType="tmRoot"/>
-      </p:par>
-    </p:tnLst>
-  </p:timing>
-</p:sld>
-</file>
-
 <file path=ppt/slides/slide9.xml><?xml version="1.0" encoding="utf-8"?>
 <p:sld xmlns:a="http://schemas.openxmlformats.org/drawingml/2006/main" xmlns:r="http://schemas.openxmlformats.org/officeDocument/2006/relationships" xmlns:p="http://schemas.openxmlformats.org/presentationml/2006/main">
   <p:cSld>
@@ -9754,379 +10783,84 @@
           <a:chExt cx="0" cy="0"/>
         </a:xfrm>
       </p:grpSpPr>
-      <p:grpSp>
-        <p:nvGrpSpPr>
-          <p:cNvPr id="21" name="Gruppieren 20"/>
-          <p:cNvGrpSpPr/>
-          <p:nvPr/>
-        </p:nvGrpSpPr>
-        <p:grpSpPr>
-          <a:xfrm>
-            <a:off x="1220818" y="5757081"/>
-            <a:ext cx="750277" cy="199946"/>
-            <a:chOff x="6286499" y="5991810"/>
-            <a:chExt cx="750277" cy="199946"/>
-          </a:xfrm>
-        </p:grpSpPr>
-        <p:sp>
-          <p:nvSpPr>
-            <p:cNvPr id="6" name="Ellipse 5"/>
-            <p:cNvSpPr/>
-            <p:nvPr/>
-          </p:nvSpPr>
-          <p:spPr>
-            <a:xfrm>
-              <a:off x="6286499" y="5991811"/>
-              <a:ext cx="263769" cy="199945"/>
-            </a:xfrm>
-            <a:prstGeom prst="ellipse">
-              <a:avLst/>
-            </a:prstGeom>
-            <a:solidFill>
-              <a:schemeClr val="bg1"/>
-            </a:solidFill>
-            <a:ln>
-              <a:noFill/>
-            </a:ln>
-          </p:spPr>
-          <p:style>
-            <a:lnRef idx="2">
-              <a:schemeClr val="accent1">
-                <a:shade val="50000"/>
-              </a:schemeClr>
-            </a:lnRef>
-            <a:fillRef idx="1">
-              <a:schemeClr val="accent1"/>
-            </a:fillRef>
-            <a:effectRef idx="0">
-              <a:schemeClr val="accent1"/>
-            </a:effectRef>
-            <a:fontRef idx="minor">
-              <a:schemeClr val="lt1"/>
-            </a:fontRef>
-          </p:style>
-          <p:txBody>
-            <a:bodyPr rtlCol="0" anchor="ctr"/>
-            <a:lstStyle/>
-            <a:p>
-              <a:pPr algn="ctr"/>
-              <a:endParaRPr lang="de-DE"/>
-            </a:p>
-          </p:txBody>
-        </p:sp>
-        <p:sp>
-          <p:nvSpPr>
-            <p:cNvPr id="24" name="Ellipse 23"/>
-            <p:cNvSpPr/>
-            <p:nvPr/>
-          </p:nvSpPr>
-          <p:spPr>
-            <a:xfrm>
-              <a:off x="6773007" y="5991810"/>
-              <a:ext cx="263769" cy="199945"/>
-            </a:xfrm>
-            <a:prstGeom prst="ellipse">
-              <a:avLst/>
-            </a:prstGeom>
-            <a:solidFill>
-              <a:schemeClr val="bg1"/>
-            </a:solidFill>
-            <a:ln>
-              <a:noFill/>
-            </a:ln>
-          </p:spPr>
-          <p:style>
-            <a:lnRef idx="2">
-              <a:schemeClr val="accent1">
-                <a:shade val="50000"/>
-              </a:schemeClr>
-            </a:lnRef>
-            <a:fillRef idx="1">
-              <a:schemeClr val="accent1"/>
-            </a:fillRef>
-            <a:effectRef idx="0">
-              <a:schemeClr val="accent1"/>
-            </a:effectRef>
-            <a:fontRef idx="minor">
-              <a:schemeClr val="lt1"/>
-            </a:fontRef>
-          </p:style>
-          <p:txBody>
-            <a:bodyPr rtlCol="0" anchor="ctr"/>
-            <a:lstStyle/>
-            <a:p>
-              <a:pPr algn="ctr"/>
-              <a:endParaRPr lang="de-DE"/>
-            </a:p>
-          </p:txBody>
-        </p:sp>
-      </p:grpSp>
-      <p:sp>
-        <p:nvSpPr>
-          <p:cNvPr id="9218" name="Rectangle 2"/>
+      <p:sp>
+        <p:nvSpPr>
+          <p:cNvPr id="2" name="Titel 1"/>
           <p:cNvSpPr>
-            <a:spLocks noGrp="1" noChangeArrowheads="1"/>
+            <a:spLocks noGrp="1"/>
           </p:cNvSpPr>
           <p:nvPr>
-            <p:ph type="title" idx="4294967295"/>
+            <p:ph type="title"/>
           </p:nvPr>
+        </p:nvSpPr>
+        <p:spPr/>
+        <p:txBody>
+          <a:bodyPr/>
+          <a:lstStyle/>
+          <a:p>
+            <a:r>
+              <a:rPr lang="de-DE" dirty="0" smtClean="0"/>
+              <a:t>Controls schachteln</a:t>
+            </a:r>
+            <a:endParaRPr lang="de-DE" dirty="0"/>
+          </a:p>
+        </p:txBody>
+      </p:sp>
+      <p:sp>
+        <p:nvSpPr>
+          <p:cNvPr id="3" name="Inhaltsplatzhalter 2"/>
+          <p:cNvSpPr>
+            <a:spLocks noGrp="1"/>
+          </p:cNvSpPr>
+          <p:nvPr>
+            <p:ph idx="1"/>
+          </p:nvPr>
+        </p:nvSpPr>
+        <p:spPr/>
+        <p:txBody>
+          <a:bodyPr/>
+          <a:lstStyle/>
+          <a:p>
+            <a:r>
+              <a:rPr lang="de-DE" dirty="0" smtClean="0"/>
+              <a:t>Panel </a:t>
+            </a:r>
+            <a:endParaRPr lang="de-DE" dirty="0"/>
+          </a:p>
+        </p:txBody>
+      </p:sp>
+      <p:sp>
+        <p:nvSpPr>
+          <p:cNvPr id="4" name="Rechteck 3"/>
+          <p:cNvSpPr/>
+          <p:nvPr/>
         </p:nvSpPr>
         <p:spPr>
           <a:xfrm>
-            <a:off x="838200" y="365125"/>
-            <a:ext cx="10661074" cy="1325563"/>
-          </a:xfrm>
-        </p:spPr>
-        <p:txBody>
-          <a:bodyPr>
-            <a:normAutofit/>
-          </a:bodyPr>
-          <a:lstStyle/>
-          <a:p>
-            <a:r>
-              <a:rPr lang="en-US" altLang="de-DE" sz="7200" dirty="0">
-                <a:solidFill>
-                  <a:schemeClr val="bg1">
-                    <a:lumMod val="65000"/>
-                  </a:schemeClr>
-                </a:solidFill>
-                <a:latin typeface="Century Gothic" panose="020B0502020202020204" pitchFamily="34" charset="0"/>
-                <a:ea typeface="+mn-ea"/>
-                <a:cs typeface="+mn-cs"/>
-              </a:rPr>
-              <a:t>Control </a:t>
-            </a:r>
-            <a:r>
-              <a:rPr lang="en-US" altLang="de-DE" sz="7200" dirty="0" err="1">
-                <a:solidFill>
-                  <a:schemeClr val="bg1">
-                    <a:lumMod val="65000"/>
-                  </a:schemeClr>
-                </a:solidFill>
-                <a:latin typeface="Century Gothic" panose="020B0502020202020204" pitchFamily="34" charset="0"/>
-                <a:ea typeface="+mn-ea"/>
-                <a:cs typeface="+mn-cs"/>
-              </a:rPr>
-              <a:t>Typen</a:t>
-            </a:r>
-            <a:endParaRPr lang="en-US" altLang="de-DE" sz="7200" dirty="0">
-              <a:solidFill>
-                <a:schemeClr val="bg1">
-                  <a:lumMod val="65000"/>
-                </a:schemeClr>
-              </a:solidFill>
-              <a:latin typeface="Century Gothic" panose="020B0502020202020204" pitchFamily="34" charset="0"/>
-              <a:ea typeface="+mn-ea"/>
-              <a:cs typeface="+mn-cs"/>
-            </a:endParaRPr>
-          </a:p>
-        </p:txBody>
-      </p:sp>
-      <p:sp>
-        <p:nvSpPr>
-          <p:cNvPr id="3" name="Rechteck 2"/>
-          <p:cNvSpPr/>
-          <p:nvPr/>
-        </p:nvSpPr>
-        <p:spPr>
-          <a:xfrm>
-            <a:off x="838199" y="2161309"/>
-            <a:ext cx="5091546" cy="1727200"/>
+            <a:off x="5047067" y="1825625"/>
+            <a:ext cx="6096000" cy="1754326"/>
           </a:xfrm>
           <a:prstGeom prst="rect">
             <a:avLst/>
           </a:prstGeom>
-          <a:noFill/>
-          <a:ln>
-            <a:noFill/>
-          </a:ln>
         </p:spPr>
-        <p:style>
-          <a:lnRef idx="0">
-            <a:scrgbClr r="0" g="0" b="0"/>
-          </a:lnRef>
-          <a:fillRef idx="0">
-            <a:scrgbClr r="0" g="0" b="0"/>
-          </a:fillRef>
-          <a:effectRef idx="0">
-            <a:scrgbClr r="0" g="0" b="0"/>
-          </a:effectRef>
-          <a:fontRef idx="minor">
-            <a:schemeClr val="dk1"/>
-          </a:fontRef>
-        </p:style>
-        <p:txBody>
-          <a:bodyPr rtlCol="0" anchor="t"/>
+        <p:txBody>
+          <a:bodyPr>
+            <a:spAutoFit/>
+          </a:bodyPr>
           <a:lstStyle/>
           <a:p>
             <a:r>
-              <a:rPr lang="de-DE" sz="2400" dirty="0" err="1">
-                <a:latin typeface="Century Gothic" panose="020B0502020202020204" pitchFamily="34" charset="0"/>
-              </a:rPr>
-              <a:t>Html</a:t>
-            </a:r>
-            <a:r>
-              <a:rPr lang="de-DE" sz="2400" dirty="0">
-                <a:latin typeface="Century Gothic" panose="020B0502020202020204" pitchFamily="34" charset="0"/>
-              </a:rPr>
-              <a:t> Server Control</a:t>
-            </a:r>
-          </a:p>
-          <a:p>
-            <a:endParaRPr lang="de-DE" sz="800" dirty="0">
-              <a:latin typeface="Century Gothic" panose="020B0502020202020204" pitchFamily="34" charset="0"/>
-            </a:endParaRPr>
-          </a:p>
-          <a:p>
-            <a:r>
-              <a:rPr lang="de-DE" sz="2000" dirty="0"/>
-              <a:t>Eins-zu-eins Mappen mit dem </a:t>
-            </a:r>
-            <a:r>
-              <a:rPr lang="de-DE" sz="2000" dirty="0" err="1"/>
-              <a:t>Html</a:t>
-            </a:r>
-            <a:r>
-              <a:rPr lang="de-DE" sz="2000" dirty="0"/>
-              <a:t>-Element</a:t>
-            </a:r>
-            <a:endParaRPr lang="de-DE" sz="2400" dirty="0"/>
-          </a:p>
-        </p:txBody>
-      </p:sp>
-      <p:sp>
-        <p:nvSpPr>
-          <p:cNvPr id="25" name="Rechteck 24"/>
-          <p:cNvSpPr/>
-          <p:nvPr/>
-        </p:nvSpPr>
-        <p:spPr>
-          <a:xfrm>
-            <a:off x="6476999" y="2161309"/>
-            <a:ext cx="5022275" cy="2281382"/>
-          </a:xfrm>
-          <a:prstGeom prst="rect">
-            <a:avLst/>
-          </a:prstGeom>
-          <a:noFill/>
-          <a:ln>
-            <a:noFill/>
-          </a:ln>
-        </p:spPr>
-        <p:style>
-          <a:lnRef idx="0">
-            <a:scrgbClr r="0" g="0" b="0"/>
-          </a:lnRef>
-          <a:fillRef idx="0">
-            <a:scrgbClr r="0" g="0" b="0"/>
-          </a:fillRef>
-          <a:effectRef idx="0">
-            <a:scrgbClr r="0" g="0" b="0"/>
-          </a:effectRef>
-          <a:fontRef idx="minor">
-            <a:schemeClr val="dk1"/>
-          </a:fontRef>
-        </p:style>
-        <p:txBody>
-          <a:bodyPr rtlCol="0" anchor="t"/>
-          <a:lstStyle/>
-          <a:p>
-            <a:r>
-              <a:rPr lang="de-DE" sz="2400" dirty="0">
-                <a:latin typeface="Century Gothic" panose="020B0502020202020204" pitchFamily="34" charset="0"/>
-              </a:rPr>
-              <a:t>Web Server Control</a:t>
-            </a:r>
-          </a:p>
-          <a:p>
-            <a:pPr lvl="0"/>
-            <a:endParaRPr lang="de-DE" sz="800" dirty="0">
-              <a:solidFill>
-                <a:prstClr val="black"/>
-              </a:solidFill>
-              <a:latin typeface="Century Gothic" panose="020B0502020202020204" pitchFamily="34" charset="0"/>
-            </a:endParaRPr>
-          </a:p>
-          <a:p>
-            <a:pPr lvl="0"/>
-            <a:r>
-              <a:rPr lang="de-DE" sz="2000" dirty="0">
-                <a:solidFill>
-                  <a:prstClr val="black"/>
-                </a:solidFill>
-              </a:rPr>
-              <a:t>Werden erst herunter gebrochen auf </a:t>
-            </a:r>
-            <a:r>
-              <a:rPr lang="de-DE" sz="2000" dirty="0" err="1">
-                <a:solidFill>
-                  <a:prstClr val="black"/>
-                </a:solidFill>
-              </a:rPr>
-              <a:t>Html</a:t>
-            </a:r>
-            <a:r>
-              <a:rPr lang="de-DE" sz="2000" dirty="0">
-                <a:solidFill>
-                  <a:prstClr val="black"/>
-                </a:solidFill>
-              </a:rPr>
-              <a:t>-Elemente</a:t>
-            </a:r>
-            <a:endParaRPr lang="de-DE" sz="2400" dirty="0">
-              <a:solidFill>
-                <a:prstClr val="black"/>
-              </a:solidFill>
-            </a:endParaRPr>
-          </a:p>
-          <a:p>
-            <a:endParaRPr lang="de-DE" sz="2400" dirty="0">
-              <a:latin typeface="Century Gothic" panose="020B0502020202020204" pitchFamily="34" charset="0"/>
-            </a:endParaRPr>
-          </a:p>
-        </p:txBody>
-      </p:sp>
-      <p:sp>
-        <p:nvSpPr>
-          <p:cNvPr id="26" name="Abgerundetes Rechteck 25"/>
-          <p:cNvSpPr/>
-          <p:nvPr/>
-        </p:nvSpPr>
-        <p:spPr>
-          <a:xfrm>
-            <a:off x="6476998" y="3870036"/>
-            <a:ext cx="5569529" cy="1588655"/>
-          </a:xfrm>
-          <a:prstGeom prst="roundRect">
-            <a:avLst>
-              <a:gd name="adj" fmla="val 0"/>
-            </a:avLst>
-          </a:prstGeom>
-          <a:noFill/>
-          <a:ln>
-            <a:noFill/>
-          </a:ln>
-        </p:spPr>
-        <p:style>
-          <a:lnRef idx="0">
-            <a:scrgbClr r="0" g="0" b="0"/>
-          </a:lnRef>
-          <a:fillRef idx="0">
-            <a:scrgbClr r="0" g="0" b="0"/>
-          </a:fillRef>
-          <a:effectRef idx="0">
-            <a:scrgbClr r="0" g="0" b="0"/>
-          </a:effectRef>
-          <a:fontRef idx="minor">
-            <a:schemeClr val="dk1"/>
-          </a:fontRef>
-        </p:style>
-        <p:txBody>
-          <a:bodyPr rtlCol="0" anchor="ctr"/>
-          <a:lstStyle/>
-          <a:p>
-            <a:r>
-              <a:rPr lang="de-DE" sz="1600" dirty="0">
+              <a:rPr lang="en-US" dirty="0">
+                <a:solidFill>
+                  <a:srgbClr val="000000"/>
+                </a:solidFill>
+                <a:latin typeface="Consolas" panose="020B0609020204030204" pitchFamily="49" charset="0"/>
+              </a:rPr>
+              <a:t> </a:t>
+            </a:r>
+            <a:r>
+              <a:rPr lang="en-US" dirty="0">
                 <a:solidFill>
                   <a:srgbClr val="0000FF"/>
                 </a:solidFill>
@@ -10135,7 +10869,7 @@
               <a:t>&lt;</a:t>
             </a:r>
             <a:r>
-              <a:rPr lang="de-DE" sz="1600" dirty="0" err="1">
+              <a:rPr lang="en-US" dirty="0" err="1">
                 <a:solidFill>
                   <a:srgbClr val="800000"/>
                 </a:solidFill>
@@ -10144,7 +10878,7 @@
               <a:t>asp</a:t>
             </a:r>
             <a:r>
-              <a:rPr lang="de-DE" sz="1600" dirty="0" err="1">
+              <a:rPr lang="en-US" dirty="0" err="1">
                 <a:solidFill>
                   <a:srgbClr val="0000FF"/>
                 </a:solidFill>
@@ -10153,16 +10887,16 @@
               <a:t>:</a:t>
             </a:r>
             <a:r>
-              <a:rPr lang="de-DE" sz="1600" dirty="0" err="1">
+              <a:rPr lang="en-US" dirty="0" err="1">
                 <a:solidFill>
                   <a:srgbClr val="800000"/>
                 </a:solidFill>
                 <a:latin typeface="Consolas" panose="020B0609020204030204" pitchFamily="49" charset="0"/>
               </a:rPr>
-              <a:t>RadioButtonList</a:t>
-            </a:r>
-            <a:r>
-              <a:rPr lang="de-DE" sz="1600" dirty="0">
+              <a:t>Panel</a:t>
+            </a:r>
+            <a:r>
+              <a:rPr lang="en-US" dirty="0">
                 <a:solidFill>
                   <a:srgbClr val="000000"/>
                 </a:solidFill>
@@ -10171,78 +10905,51 @@
               <a:t> </a:t>
             </a:r>
             <a:r>
-              <a:rPr lang="de-DE" sz="1600" dirty="0" err="1">
+              <a:rPr lang="en-US" dirty="0">
                 <a:solidFill>
                   <a:srgbClr val="FF0000"/>
                 </a:solidFill>
                 <a:latin typeface="Consolas" panose="020B0609020204030204" pitchFamily="49" charset="0"/>
               </a:rPr>
+              <a:t>ID</a:t>
+            </a:r>
+            <a:r>
+              <a:rPr lang="en-US" dirty="0">
+                <a:solidFill>
+                  <a:srgbClr val="0000FF"/>
+                </a:solidFill>
+                <a:latin typeface="Consolas" panose="020B0609020204030204" pitchFamily="49" charset="0"/>
+              </a:rPr>
+              <a:t>="Panel1"</a:t>
+            </a:r>
+            <a:r>
+              <a:rPr lang="en-US" dirty="0">
+                <a:solidFill>
+                  <a:srgbClr val="000000"/>
+                </a:solidFill>
+                <a:latin typeface="Consolas" panose="020B0609020204030204" pitchFamily="49" charset="0"/>
+              </a:rPr>
+              <a:t> </a:t>
+            </a:r>
+            <a:r>
+              <a:rPr lang="en-US" dirty="0" err="1">
+                <a:solidFill>
+                  <a:srgbClr val="FF0000"/>
+                </a:solidFill>
+                <a:latin typeface="Consolas" panose="020B0609020204030204" pitchFamily="49" charset="0"/>
+              </a:rPr>
               <a:t>runat</a:t>
             </a:r>
             <a:r>
-              <a:rPr lang="de-DE" sz="1600" dirty="0">
-                <a:solidFill>
-                  <a:srgbClr val="0000FF"/>
-                </a:solidFill>
-                <a:latin typeface="Consolas" panose="020B0609020204030204" pitchFamily="49" charset="0"/>
-              </a:rPr>
-              <a:t>="</a:t>
-            </a:r>
-            <a:r>
-              <a:rPr lang="de-DE" sz="1600" dirty="0" err="1">
-                <a:solidFill>
-                  <a:srgbClr val="0000FF"/>
-                </a:solidFill>
-                <a:latin typeface="Consolas" panose="020B0609020204030204" pitchFamily="49" charset="0"/>
-              </a:rPr>
-              <a:t>server</a:t>
-            </a:r>
-            <a:r>
-              <a:rPr lang="de-DE" sz="1600" dirty="0">
-                <a:solidFill>
-                  <a:srgbClr val="0000FF"/>
-                </a:solidFill>
-                <a:latin typeface="Consolas" panose="020B0609020204030204" pitchFamily="49" charset="0"/>
-              </a:rPr>
-              <a:t>" </a:t>
-            </a:r>
-            <a:r>
-              <a:rPr lang="de-DE" sz="1600" dirty="0" err="1">
-                <a:solidFill>
-                  <a:srgbClr val="FF0000"/>
-                </a:solidFill>
-                <a:latin typeface="Consolas" panose="020B0609020204030204" pitchFamily="49" charset="0"/>
-              </a:rPr>
-              <a:t>id</a:t>
-            </a:r>
-            <a:r>
-              <a:rPr lang="de-DE" sz="1600" dirty="0">
-                <a:solidFill>
-                  <a:srgbClr val="0000FF"/>
-                </a:solidFill>
-                <a:latin typeface="Consolas" panose="020B0609020204030204" pitchFamily="49" charset="0"/>
-              </a:rPr>
-              <a:t>="</a:t>
-            </a:r>
-            <a:r>
-              <a:rPr lang="de-DE" sz="1600" dirty="0" err="1">
-                <a:solidFill>
-                  <a:srgbClr val="0000FF"/>
-                </a:solidFill>
-                <a:latin typeface="Consolas" panose="020B0609020204030204" pitchFamily="49" charset="0"/>
-              </a:rPr>
-              <a:t>rblist</a:t>
-            </a:r>
-            <a:r>
-              <a:rPr lang="de-DE" sz="1600" dirty="0">
-                <a:solidFill>
-                  <a:srgbClr val="0000FF"/>
-                </a:solidFill>
-                <a:latin typeface="Consolas" panose="020B0609020204030204" pitchFamily="49" charset="0"/>
-              </a:rPr>
-              <a:t>"&gt;</a:t>
-            </a:r>
-            <a:endParaRPr lang="de-DE" sz="1600" dirty="0">
+              <a:rPr lang="en-US" dirty="0">
+                <a:solidFill>
+                  <a:srgbClr val="0000FF"/>
+                </a:solidFill>
+                <a:latin typeface="Consolas" panose="020B0609020204030204" pitchFamily="49" charset="0"/>
+              </a:rPr>
+              <a:t>="server"&gt;</a:t>
+            </a:r>
+            <a:endParaRPr lang="en-US" dirty="0">
               <a:solidFill>
                 <a:srgbClr val="000000"/>
               </a:solidFill>
@@ -10251,16 +10958,16 @@
           </a:p>
           <a:p>
             <a:r>
-              <a:rPr lang="de-DE" sz="1600" dirty="0">
+              <a:rPr lang="de-DE" dirty="0">
                 <a:solidFill>
                   <a:srgbClr val="000000"/>
                 </a:solidFill>
                 <a:latin typeface="Consolas" panose="020B0609020204030204" pitchFamily="49" charset="0"/>
               </a:rPr>
-              <a:t>	 </a:t>
-            </a:r>
-            <a:r>
-              <a:rPr lang="de-DE" sz="1600" dirty="0">
+              <a:t>                  </a:t>
+            </a:r>
+            <a:r>
+              <a:rPr lang="de-DE" dirty="0">
                 <a:solidFill>
                   <a:srgbClr val="0000FF"/>
                 </a:solidFill>
@@ -10269,7 +10976,7 @@
               <a:t>&lt;</a:t>
             </a:r>
             <a:r>
-              <a:rPr lang="de-DE" sz="1600" dirty="0" err="1">
+              <a:rPr lang="de-DE" dirty="0" err="1">
                 <a:solidFill>
                   <a:srgbClr val="800000"/>
                 </a:solidFill>
@@ -10278,7 +10985,7 @@
               <a:t>asp</a:t>
             </a:r>
             <a:r>
-              <a:rPr lang="de-DE" sz="1600" dirty="0" err="1">
+              <a:rPr lang="de-DE" dirty="0" err="1">
                 <a:solidFill>
                   <a:srgbClr val="0000FF"/>
                 </a:solidFill>
@@ -10287,78 +10994,132 @@
               <a:t>:</a:t>
             </a:r>
             <a:r>
-              <a:rPr lang="de-DE" sz="1600" dirty="0" err="1">
+              <a:rPr lang="de-DE" dirty="0" err="1">
                 <a:solidFill>
                   <a:srgbClr val="800000"/>
                 </a:solidFill>
                 <a:latin typeface="Consolas" panose="020B0609020204030204" pitchFamily="49" charset="0"/>
               </a:rPr>
-              <a:t>ListItem</a:t>
-            </a:r>
-            <a:r>
-              <a:rPr lang="de-DE" sz="1600" dirty="0">
-                <a:solidFill>
-                  <a:srgbClr val="0000FF"/>
-                </a:solidFill>
-                <a:latin typeface="Consolas" panose="020B0609020204030204" pitchFamily="49" charset="0"/>
-              </a:rPr>
-              <a:t>&gt;</a:t>
-            </a:r>
-            <a:r>
-              <a:rPr lang="de-DE" sz="1600" dirty="0">
+              <a:t>Button</a:t>
+            </a:r>
+            <a:r>
+              <a:rPr lang="de-DE" dirty="0">
                 <a:solidFill>
                   <a:srgbClr val="000000"/>
                 </a:solidFill>
                 <a:latin typeface="Consolas" panose="020B0609020204030204" pitchFamily="49" charset="0"/>
               </a:rPr>
-              <a:t>2</a:t>
-            </a:r>
-            <a:r>
-              <a:rPr lang="de-DE" sz="1600" dirty="0">
-                <a:solidFill>
-                  <a:srgbClr val="0000FF"/>
-                </a:solidFill>
-                <a:latin typeface="Consolas" panose="020B0609020204030204" pitchFamily="49" charset="0"/>
-              </a:rPr>
-              <a:t>&lt;/</a:t>
-            </a:r>
-            <a:r>
-              <a:rPr lang="de-DE" sz="1600" dirty="0" err="1">
-                <a:solidFill>
-                  <a:srgbClr val="800000"/>
-                </a:solidFill>
-                <a:latin typeface="Consolas" panose="020B0609020204030204" pitchFamily="49" charset="0"/>
-              </a:rPr>
-              <a:t>asp</a:t>
-            </a:r>
-            <a:r>
-              <a:rPr lang="de-DE" sz="1600" dirty="0" err="1">
-                <a:solidFill>
-                  <a:srgbClr val="0000FF"/>
-                </a:solidFill>
-                <a:latin typeface="Consolas" panose="020B0609020204030204" pitchFamily="49" charset="0"/>
-              </a:rPr>
-              <a:t>:</a:t>
-            </a:r>
-            <a:r>
-              <a:rPr lang="de-DE" sz="1600" dirty="0" err="1">
-                <a:solidFill>
-                  <a:srgbClr val="800000"/>
-                </a:solidFill>
-                <a:latin typeface="Consolas" panose="020B0609020204030204" pitchFamily="49" charset="0"/>
-              </a:rPr>
-              <a:t>ListItem</a:t>
-            </a:r>
-            <a:r>
-              <a:rPr lang="de-DE" sz="1600" dirty="0">
-                <a:solidFill>
-                  <a:srgbClr val="0000FF"/>
-                </a:solidFill>
-                <a:latin typeface="Consolas" panose="020B0609020204030204" pitchFamily="49" charset="0"/>
-              </a:rPr>
-              <a:t>&gt;</a:t>
-            </a:r>
-            <a:endParaRPr lang="de-DE" sz="1600" dirty="0">
+              <a:t> </a:t>
+            </a:r>
+            <a:r>
+              <a:rPr lang="de-DE" dirty="0">
+                <a:solidFill>
+                  <a:srgbClr val="FF0000"/>
+                </a:solidFill>
+                <a:latin typeface="Consolas" panose="020B0609020204030204" pitchFamily="49" charset="0"/>
+              </a:rPr>
+              <a:t>ID</a:t>
+            </a:r>
+            <a:r>
+              <a:rPr lang="de-DE" dirty="0">
+                <a:solidFill>
+                  <a:srgbClr val="0000FF"/>
+                </a:solidFill>
+                <a:latin typeface="Consolas" panose="020B0609020204030204" pitchFamily="49" charset="0"/>
+              </a:rPr>
+              <a:t>="Button1"</a:t>
+            </a:r>
+            <a:r>
+              <a:rPr lang="de-DE" dirty="0">
+                <a:solidFill>
+                  <a:srgbClr val="000000"/>
+                </a:solidFill>
+                <a:latin typeface="Consolas" panose="020B0609020204030204" pitchFamily="49" charset="0"/>
+              </a:rPr>
+              <a:t> </a:t>
+            </a:r>
+            <a:r>
+              <a:rPr lang="de-DE" dirty="0" err="1">
+                <a:solidFill>
+                  <a:srgbClr val="FF0000"/>
+                </a:solidFill>
+                <a:latin typeface="Consolas" panose="020B0609020204030204" pitchFamily="49" charset="0"/>
+              </a:rPr>
+              <a:t>runat</a:t>
+            </a:r>
+            <a:r>
+              <a:rPr lang="de-DE" dirty="0">
+                <a:solidFill>
+                  <a:srgbClr val="0000FF"/>
+                </a:solidFill>
+                <a:latin typeface="Consolas" panose="020B0609020204030204" pitchFamily="49" charset="0"/>
+              </a:rPr>
+              <a:t>="</a:t>
+            </a:r>
+            <a:r>
+              <a:rPr lang="de-DE" dirty="0" err="1">
+                <a:solidFill>
+                  <a:srgbClr val="0000FF"/>
+                </a:solidFill>
+                <a:latin typeface="Consolas" panose="020B0609020204030204" pitchFamily="49" charset="0"/>
+              </a:rPr>
+              <a:t>server</a:t>
+            </a:r>
+            <a:r>
+              <a:rPr lang="de-DE" dirty="0">
+                <a:solidFill>
+                  <a:srgbClr val="0000FF"/>
+                </a:solidFill>
+                <a:latin typeface="Consolas" panose="020B0609020204030204" pitchFamily="49" charset="0"/>
+              </a:rPr>
+              <a:t>"</a:t>
+            </a:r>
+            <a:r>
+              <a:rPr lang="de-DE" dirty="0">
+                <a:solidFill>
+                  <a:srgbClr val="000000"/>
+                </a:solidFill>
+                <a:latin typeface="Consolas" panose="020B0609020204030204" pitchFamily="49" charset="0"/>
+              </a:rPr>
+              <a:t> </a:t>
+            </a:r>
+            <a:r>
+              <a:rPr lang="de-DE" dirty="0">
+                <a:solidFill>
+                  <a:srgbClr val="FF0000"/>
+                </a:solidFill>
+                <a:latin typeface="Consolas" panose="020B0609020204030204" pitchFamily="49" charset="0"/>
+              </a:rPr>
+              <a:t>Text</a:t>
+            </a:r>
+            <a:r>
+              <a:rPr lang="de-DE" dirty="0">
+                <a:solidFill>
+                  <a:srgbClr val="0000FF"/>
+                </a:solidFill>
+                <a:latin typeface="Consolas" panose="020B0609020204030204" pitchFamily="49" charset="0"/>
+              </a:rPr>
+              <a:t>="Button"</a:t>
+            </a:r>
+            <a:r>
+              <a:rPr lang="de-DE" dirty="0">
+                <a:solidFill>
+                  <a:srgbClr val="000000"/>
+                </a:solidFill>
+                <a:latin typeface="Consolas" panose="020B0609020204030204" pitchFamily="49" charset="0"/>
+              </a:rPr>
+              <a:t> </a:t>
+            </a:r>
+            <a:r>
+              <a:rPr lang="de-DE" dirty="0">
+                <a:solidFill>
+                  <a:srgbClr val="0000FF"/>
+                </a:solidFill>
+                <a:latin typeface="Consolas" panose="020B0609020204030204" pitchFamily="49" charset="0"/>
+              </a:rPr>
+              <a:t>/&gt;</a:t>
+            </a:r>
+            <a:endParaRPr lang="de-DE" dirty="0">
               <a:solidFill>
                 <a:srgbClr val="000000"/>
               </a:solidFill>
@@ -10367,16 +11128,25 @@
           </a:p>
           <a:p>
             <a:r>
-              <a:rPr lang="de-DE" sz="1600" dirty="0">
-                <a:solidFill>
-                  <a:srgbClr val="0000FF"/>
-                </a:solidFill>
-                <a:latin typeface="Consolas" panose="020B0609020204030204" pitchFamily="49" charset="0"/>
-              </a:rPr>
-              <a:t>	&lt;</a:t>
-            </a:r>
-            <a:r>
-              <a:rPr lang="de-DE" sz="1600" dirty="0" err="1">
+              <a:rPr lang="de-DE" dirty="0">
+                <a:solidFill>
+                  <a:srgbClr val="000000"/>
+                </a:solidFill>
+                <a:latin typeface="Consolas" panose="020B0609020204030204" pitchFamily="49" charset="0"/>
+              </a:rPr>
+              <a:t>            </a:t>
+            </a:r>
+            <a:r>
+              <a:rPr lang="de-DE" dirty="0">
+                <a:solidFill>
+                  <a:srgbClr val="0000FF"/>
+                </a:solidFill>
+                <a:latin typeface="Consolas" panose="020B0609020204030204" pitchFamily="49" charset="0"/>
+              </a:rPr>
+              <a:t>&lt;</a:t>
+            </a:r>
+            <a:r>
+              <a:rPr lang="de-DE" dirty="0" err="1">
                 <a:solidFill>
                   <a:srgbClr val="800000"/>
                 </a:solidFill>
@@ -10385,7 +11155,7 @@
               <a:t>asp</a:t>
             </a:r>
             <a:r>
-              <a:rPr lang="de-DE" sz="1600" dirty="0" err="1">
+              <a:rPr lang="de-DE" dirty="0" err="1">
                 <a:solidFill>
                   <a:srgbClr val="0000FF"/>
                 </a:solidFill>
@@ -10394,16 +11164,115 @@
               <a:t>:</a:t>
             </a:r>
             <a:r>
-              <a:rPr lang="de-DE" sz="1600" dirty="0" err="1">
+              <a:rPr lang="de-DE" dirty="0" err="1">
                 <a:solidFill>
                   <a:srgbClr val="800000"/>
                 </a:solidFill>
                 <a:latin typeface="Consolas" panose="020B0609020204030204" pitchFamily="49" charset="0"/>
               </a:rPr>
-              <a:t>ListItem</a:t>
-            </a:r>
-            <a:r>
-              <a:rPr lang="de-DE" sz="1600" dirty="0">
+              <a:t>TextBox</a:t>
+            </a:r>
+            <a:r>
+              <a:rPr lang="de-DE" dirty="0">
+                <a:solidFill>
+                  <a:srgbClr val="000000"/>
+                </a:solidFill>
+                <a:latin typeface="Consolas" panose="020B0609020204030204" pitchFamily="49" charset="0"/>
+              </a:rPr>
+              <a:t> </a:t>
+            </a:r>
+            <a:r>
+              <a:rPr lang="de-DE" dirty="0">
+                <a:solidFill>
+                  <a:srgbClr val="FF0000"/>
+                </a:solidFill>
+                <a:latin typeface="Consolas" panose="020B0609020204030204" pitchFamily="49" charset="0"/>
+              </a:rPr>
+              <a:t>ID</a:t>
+            </a:r>
+            <a:r>
+              <a:rPr lang="de-DE" dirty="0">
+                <a:solidFill>
+                  <a:srgbClr val="0000FF"/>
+                </a:solidFill>
+                <a:latin typeface="Consolas" panose="020B0609020204030204" pitchFamily="49" charset="0"/>
+              </a:rPr>
+              <a:t>="TextBox1"</a:t>
+            </a:r>
+            <a:r>
+              <a:rPr lang="de-DE" dirty="0">
+                <a:solidFill>
+                  <a:srgbClr val="000000"/>
+                </a:solidFill>
+                <a:latin typeface="Consolas" panose="020B0609020204030204" pitchFamily="49" charset="0"/>
+              </a:rPr>
+              <a:t> </a:t>
+            </a:r>
+            <a:r>
+              <a:rPr lang="de-DE" dirty="0" err="1">
+                <a:solidFill>
+                  <a:srgbClr val="FF0000"/>
+                </a:solidFill>
+                <a:latin typeface="Consolas" panose="020B0609020204030204" pitchFamily="49" charset="0"/>
+              </a:rPr>
+              <a:t>runat</a:t>
+            </a:r>
+            <a:r>
+              <a:rPr lang="de-DE" dirty="0">
+                <a:solidFill>
+                  <a:srgbClr val="0000FF"/>
+                </a:solidFill>
+                <a:latin typeface="Consolas" panose="020B0609020204030204" pitchFamily="49" charset="0"/>
+              </a:rPr>
+              <a:t>="</a:t>
+            </a:r>
+            <a:r>
+              <a:rPr lang="de-DE" dirty="0" err="1">
+                <a:solidFill>
+                  <a:srgbClr val="0000FF"/>
+                </a:solidFill>
+                <a:latin typeface="Consolas" panose="020B0609020204030204" pitchFamily="49" charset="0"/>
+              </a:rPr>
+              <a:t>server</a:t>
+            </a:r>
+            <a:r>
+              <a:rPr lang="de-DE" dirty="0">
+                <a:solidFill>
+                  <a:srgbClr val="0000FF"/>
+                </a:solidFill>
+                <a:latin typeface="Consolas" panose="020B0609020204030204" pitchFamily="49" charset="0"/>
+              </a:rPr>
+              <a:t>"&gt;&lt;/</a:t>
+            </a:r>
+            <a:r>
+              <a:rPr lang="de-DE" dirty="0" err="1">
+                <a:solidFill>
+                  <a:srgbClr val="800000"/>
+                </a:solidFill>
+                <a:latin typeface="Consolas" panose="020B0609020204030204" pitchFamily="49" charset="0"/>
+              </a:rPr>
+              <a:t>asp</a:t>
+            </a:r>
+            <a:r>
+              <a:rPr lang="de-DE" dirty="0" err="1">
+                <a:solidFill>
+                  <a:srgbClr val="0000FF"/>
+                </a:solidFill>
+                <a:latin typeface="Consolas" panose="020B0609020204030204" pitchFamily="49" charset="0"/>
+              </a:rPr>
+              <a:t>:</a:t>
+            </a:r>
+            <a:r>
+              <a:rPr lang="de-DE" dirty="0" err="1">
+                <a:solidFill>
+                  <a:srgbClr val="800000"/>
+                </a:solidFill>
+                <a:latin typeface="Consolas" panose="020B0609020204030204" pitchFamily="49" charset="0"/>
+              </a:rPr>
+              <a:t>TextBox</a:t>
+            </a:r>
+            <a:r>
+              <a:rPr lang="de-DE" dirty="0">
                 <a:solidFill>
                   <a:srgbClr val="0000FF"/>
                 </a:solidFill>
@@ -10411,61 +11280,7 @@
               </a:rPr>
               <a:t>&gt;</a:t>
             </a:r>
-            <a:r>
-              <a:rPr lang="de-DE" sz="1600" dirty="0">
-                <a:solidFill>
-                  <a:srgbClr val="000000"/>
-                </a:solidFill>
-                <a:latin typeface="Consolas" panose="020B0609020204030204" pitchFamily="49" charset="0"/>
-              </a:rPr>
-              <a:t>3</a:t>
-            </a:r>
-            <a:r>
-              <a:rPr lang="de-DE" sz="1600" dirty="0">
-                <a:solidFill>
-                  <a:srgbClr val="0000FF"/>
-                </a:solidFill>
-                <a:latin typeface="Consolas" panose="020B0609020204030204" pitchFamily="49" charset="0"/>
-              </a:rPr>
-              <a:t>&lt;/</a:t>
-            </a:r>
-            <a:r>
-              <a:rPr lang="de-DE" sz="1600" dirty="0" err="1">
-                <a:solidFill>
-                  <a:srgbClr val="800000"/>
-                </a:solidFill>
-                <a:latin typeface="Consolas" panose="020B0609020204030204" pitchFamily="49" charset="0"/>
-              </a:rPr>
-              <a:t>asp</a:t>
-            </a:r>
-            <a:r>
-              <a:rPr lang="de-DE" sz="1600" dirty="0" err="1">
-                <a:solidFill>
-                  <a:srgbClr val="0000FF"/>
-                </a:solidFill>
-                <a:latin typeface="Consolas" panose="020B0609020204030204" pitchFamily="49" charset="0"/>
-              </a:rPr>
-              <a:t>:</a:t>
-            </a:r>
-            <a:r>
-              <a:rPr lang="de-DE" sz="1600" dirty="0" err="1">
-                <a:solidFill>
-                  <a:srgbClr val="800000"/>
-                </a:solidFill>
-                <a:latin typeface="Consolas" panose="020B0609020204030204" pitchFamily="49" charset="0"/>
-              </a:rPr>
-              <a:t>ListItem</a:t>
-            </a:r>
-            <a:r>
-              <a:rPr lang="de-DE" sz="1600" dirty="0">
-                <a:solidFill>
-                  <a:srgbClr val="0000FF"/>
-                </a:solidFill>
-                <a:latin typeface="Consolas" panose="020B0609020204030204" pitchFamily="49" charset="0"/>
-              </a:rPr>
-              <a:t>&gt;</a:t>
-            </a:r>
-            <a:endParaRPr lang="de-DE" sz="1600" dirty="0">
+            <a:endParaRPr lang="de-DE" dirty="0">
               <a:solidFill>
                 <a:srgbClr val="000000"/>
               </a:solidFill>
@@ -10474,95 +11289,7 @@
           </a:p>
           <a:p>
             <a:r>
-              <a:rPr lang="de-DE" sz="1600" dirty="0">
-                <a:solidFill>
-                  <a:srgbClr val="0000FF"/>
-                </a:solidFill>
-                <a:latin typeface="Consolas" panose="020B0609020204030204" pitchFamily="49" charset="0"/>
-              </a:rPr>
-              <a:t>&lt;/</a:t>
-            </a:r>
-            <a:r>
-              <a:rPr lang="de-DE" sz="1600" dirty="0" err="1">
-                <a:solidFill>
-                  <a:srgbClr val="800000"/>
-                </a:solidFill>
-                <a:latin typeface="Consolas" panose="020B0609020204030204" pitchFamily="49" charset="0"/>
-              </a:rPr>
-              <a:t>asp</a:t>
-            </a:r>
-            <a:r>
-              <a:rPr lang="de-DE" sz="1600" dirty="0" err="1">
-                <a:solidFill>
-                  <a:srgbClr val="0000FF"/>
-                </a:solidFill>
-                <a:latin typeface="Consolas" panose="020B0609020204030204" pitchFamily="49" charset="0"/>
-              </a:rPr>
-              <a:t>:</a:t>
-            </a:r>
-            <a:r>
-              <a:rPr lang="de-DE" sz="1600" dirty="0" err="1">
-                <a:solidFill>
-                  <a:srgbClr val="800000"/>
-                </a:solidFill>
-                <a:latin typeface="Consolas" panose="020B0609020204030204" pitchFamily="49" charset="0"/>
-              </a:rPr>
-              <a:t>RadioButtonList</a:t>
-            </a:r>
-            <a:r>
-              <a:rPr lang="de-DE" sz="1600" dirty="0">
-                <a:solidFill>
-                  <a:srgbClr val="0000FF"/>
-                </a:solidFill>
-                <a:latin typeface="Consolas" panose="020B0609020204030204" pitchFamily="49" charset="0"/>
-              </a:rPr>
-              <a:t>&gt;</a:t>
-            </a:r>
-            <a:endParaRPr lang="de-DE" sz="1600" dirty="0"/>
-          </a:p>
-        </p:txBody>
-      </p:sp>
-      <p:sp>
-        <p:nvSpPr>
-          <p:cNvPr id="9" name="Rechteck 8"/>
-          <p:cNvSpPr/>
-          <p:nvPr/>
-        </p:nvSpPr>
-        <p:spPr>
-          <a:xfrm>
-            <a:off x="6476999" y="5678786"/>
-            <a:ext cx="5280892" cy="584775"/>
-          </a:xfrm>
-          <a:prstGeom prst="rect">
-            <a:avLst/>
-          </a:prstGeom>
-        </p:spPr>
-        <p:txBody>
-          <a:bodyPr wrap="square">
-            <a:spAutoFit/>
-          </a:bodyPr>
-          <a:lstStyle/>
-          <a:p>
-            <a:r>
-              <a:rPr lang="en-US" sz="1600" dirty="0">
-                <a:solidFill>
-                  <a:srgbClr val="0000FF"/>
-                </a:solidFill>
-                <a:latin typeface="Consolas" panose="020B0609020204030204" pitchFamily="49" charset="0"/>
-              </a:rPr>
-              <a:t>&lt;</a:t>
-            </a:r>
-            <a:r>
-              <a:rPr lang="en-US" sz="1600" dirty="0">
-                <a:solidFill>
-                  <a:srgbClr val="800000"/>
-                </a:solidFill>
-                <a:latin typeface="Consolas" panose="020B0609020204030204" pitchFamily="49" charset="0"/>
-              </a:rPr>
-              <a:t>input</a:t>
-            </a:r>
-            <a:r>
-              <a:rPr lang="en-US" sz="1600" dirty="0">
+              <a:rPr lang="de-DE" dirty="0">
                 <a:solidFill>
                   <a:srgbClr val="000000"/>
                 </a:solidFill>
@@ -10570,639 +11297,14 @@
               </a:rPr>
               <a:t> </a:t>
             </a:r>
-            <a:r>
-              <a:rPr lang="en-US" sz="1600" dirty="0">
-                <a:solidFill>
-                  <a:srgbClr val="FF0000"/>
-                </a:solidFill>
-                <a:latin typeface="Consolas" panose="020B0609020204030204" pitchFamily="49" charset="0"/>
-              </a:rPr>
-              <a:t>type</a:t>
-            </a:r>
-            <a:r>
-              <a:rPr lang="en-US" sz="1600" dirty="0">
-                <a:solidFill>
-                  <a:srgbClr val="0000FF"/>
-                </a:solidFill>
-                <a:latin typeface="Consolas" panose="020B0609020204030204" pitchFamily="49" charset="0"/>
-              </a:rPr>
-              <a:t>="radio"</a:t>
-            </a:r>
-            <a:r>
-              <a:rPr lang="en-US" sz="1600" dirty="0">
-                <a:solidFill>
-                  <a:srgbClr val="000000"/>
-                </a:solidFill>
-                <a:latin typeface="Consolas" panose="020B0609020204030204" pitchFamily="49" charset="0"/>
-              </a:rPr>
-              <a:t> </a:t>
-            </a:r>
-            <a:r>
-              <a:rPr lang="en-US" sz="1600" dirty="0">
-                <a:solidFill>
-                  <a:srgbClr val="FF0000"/>
-                </a:solidFill>
-                <a:latin typeface="Consolas" panose="020B0609020204030204" pitchFamily="49" charset="0"/>
-              </a:rPr>
-              <a:t>value</a:t>
-            </a:r>
-            <a:r>
-              <a:rPr lang="en-US" sz="1600" dirty="0">
-                <a:solidFill>
-                  <a:srgbClr val="0000FF"/>
-                </a:solidFill>
-                <a:latin typeface="Consolas" panose="020B0609020204030204" pitchFamily="49" charset="0"/>
-              </a:rPr>
-              <a:t>="2" </a:t>
-            </a:r>
-            <a:r>
-              <a:rPr lang="en-US" sz="1600" dirty="0">
-                <a:solidFill>
-                  <a:srgbClr val="FF0000"/>
-                </a:solidFill>
-                <a:latin typeface="Consolas" panose="020B0609020204030204" pitchFamily="49" charset="0"/>
-              </a:rPr>
-              <a:t>name</a:t>
-            </a:r>
-            <a:r>
-              <a:rPr lang="en-US" sz="1600" dirty="0">
-                <a:solidFill>
-                  <a:srgbClr val="0000FF"/>
-                </a:solidFill>
-                <a:latin typeface="Consolas" panose="020B0609020204030204" pitchFamily="49" charset="0"/>
-              </a:rPr>
-              <a:t>="group"/&gt;</a:t>
-            </a:r>
-            <a:endParaRPr lang="en-US" sz="1600" dirty="0">
-              <a:solidFill>
-                <a:srgbClr val="000000"/>
-              </a:solidFill>
-              <a:latin typeface="Consolas" panose="020B0609020204030204" pitchFamily="49" charset="0"/>
-            </a:endParaRPr>
-          </a:p>
-          <a:p>
-            <a:r>
-              <a:rPr lang="en-US" sz="1600" dirty="0">
-                <a:solidFill>
-                  <a:srgbClr val="0000FF"/>
-                </a:solidFill>
-                <a:latin typeface="Consolas" panose="020B0609020204030204" pitchFamily="49" charset="0"/>
-              </a:rPr>
-              <a:t>&lt;</a:t>
-            </a:r>
-            <a:r>
-              <a:rPr lang="en-US" sz="1600" dirty="0">
-                <a:solidFill>
-                  <a:srgbClr val="800000"/>
-                </a:solidFill>
-                <a:latin typeface="Consolas" panose="020B0609020204030204" pitchFamily="49" charset="0"/>
-              </a:rPr>
-              <a:t>input</a:t>
-            </a:r>
-            <a:r>
-              <a:rPr lang="en-US" sz="1600" dirty="0">
-                <a:solidFill>
-                  <a:srgbClr val="000000"/>
-                </a:solidFill>
-                <a:latin typeface="Consolas" panose="020B0609020204030204" pitchFamily="49" charset="0"/>
-              </a:rPr>
-              <a:t> </a:t>
-            </a:r>
-            <a:r>
-              <a:rPr lang="en-US" sz="1600" dirty="0">
-                <a:solidFill>
-                  <a:srgbClr val="FF0000"/>
-                </a:solidFill>
-                <a:latin typeface="Consolas" panose="020B0609020204030204" pitchFamily="49" charset="0"/>
-              </a:rPr>
-              <a:t>type</a:t>
-            </a:r>
-            <a:r>
-              <a:rPr lang="en-US" sz="1600" dirty="0">
-                <a:solidFill>
-                  <a:srgbClr val="0000FF"/>
-                </a:solidFill>
-                <a:latin typeface="Consolas" panose="020B0609020204030204" pitchFamily="49" charset="0"/>
-              </a:rPr>
-              <a:t>="radio"</a:t>
-            </a:r>
-            <a:r>
-              <a:rPr lang="en-US" sz="1600" dirty="0">
-                <a:solidFill>
-                  <a:srgbClr val="000000"/>
-                </a:solidFill>
-                <a:latin typeface="Consolas" panose="020B0609020204030204" pitchFamily="49" charset="0"/>
-              </a:rPr>
-              <a:t> </a:t>
-            </a:r>
-            <a:r>
-              <a:rPr lang="en-US" sz="1600" dirty="0">
-                <a:solidFill>
-                  <a:srgbClr val="FF0000"/>
-                </a:solidFill>
-                <a:latin typeface="Consolas" panose="020B0609020204030204" pitchFamily="49" charset="0"/>
-              </a:rPr>
-              <a:t>value</a:t>
-            </a:r>
-            <a:r>
-              <a:rPr lang="en-US" sz="1600" dirty="0">
-                <a:solidFill>
-                  <a:srgbClr val="0000FF"/>
-                </a:solidFill>
-                <a:latin typeface="Consolas" panose="020B0609020204030204" pitchFamily="49" charset="0"/>
-              </a:rPr>
-              <a:t>="3" </a:t>
-            </a:r>
-            <a:r>
-              <a:rPr lang="en-US" sz="1600" dirty="0">
-                <a:solidFill>
-                  <a:srgbClr val="FF0000"/>
-                </a:solidFill>
-                <a:latin typeface="Consolas" panose="020B0609020204030204" pitchFamily="49" charset="0"/>
-              </a:rPr>
-              <a:t>name</a:t>
-            </a:r>
-            <a:r>
-              <a:rPr lang="en-US" sz="1600" dirty="0">
-                <a:solidFill>
-                  <a:srgbClr val="0000FF"/>
-                </a:solidFill>
-                <a:latin typeface="Consolas" panose="020B0609020204030204" pitchFamily="49" charset="0"/>
-              </a:rPr>
-              <a:t>="group"/&gt;</a:t>
-            </a:r>
-            <a:endParaRPr lang="de-DE" sz="1600" dirty="0"/>
-          </a:p>
-        </p:txBody>
-      </p:sp>
-      <p:sp>
-        <p:nvSpPr>
-          <p:cNvPr id="29" name="Abgerundetes Rechteck 28"/>
-          <p:cNvSpPr/>
-          <p:nvPr/>
-        </p:nvSpPr>
-        <p:spPr>
-          <a:xfrm>
-            <a:off x="838199" y="4109500"/>
-            <a:ext cx="5091546" cy="817636"/>
-          </a:xfrm>
-          <a:prstGeom prst="roundRect">
-            <a:avLst>
-              <a:gd name="adj" fmla="val 0"/>
-            </a:avLst>
-          </a:prstGeom>
-          <a:noFill/>
-          <a:ln>
-            <a:noFill/>
-          </a:ln>
-        </p:spPr>
-        <p:style>
-          <a:lnRef idx="0">
-            <a:scrgbClr r="0" g="0" b="0"/>
-          </a:lnRef>
-          <a:fillRef idx="0">
-            <a:scrgbClr r="0" g="0" b="0"/>
-          </a:fillRef>
-          <a:effectRef idx="0">
-            <a:scrgbClr r="0" g="0" b="0"/>
-          </a:effectRef>
-          <a:fontRef idx="minor">
-            <a:schemeClr val="dk1"/>
-          </a:fontRef>
-        </p:style>
-        <p:txBody>
-          <a:bodyPr rtlCol="0" anchor="ctr"/>
-          <a:lstStyle/>
-          <a:p>
-            <a:r>
-              <a:rPr lang="de-DE" sz="1600" dirty="0">
-                <a:solidFill>
-                  <a:srgbClr val="0000FF"/>
-                </a:solidFill>
-                <a:latin typeface="Consolas" panose="020B0609020204030204" pitchFamily="49" charset="0"/>
-              </a:rPr>
-              <a:t>&lt;</a:t>
-            </a:r>
-            <a:r>
-              <a:rPr lang="de-DE" sz="1600" dirty="0">
-                <a:solidFill>
-                  <a:srgbClr val="800000"/>
-                </a:solidFill>
-                <a:latin typeface="Consolas" panose="020B0609020204030204" pitchFamily="49" charset="0"/>
-              </a:rPr>
-              <a:t>div</a:t>
-            </a:r>
-            <a:r>
-              <a:rPr lang="de-DE" sz="1600" dirty="0">
-                <a:solidFill>
-                  <a:srgbClr val="000000"/>
-                </a:solidFill>
-                <a:latin typeface="Consolas" panose="020B0609020204030204" pitchFamily="49" charset="0"/>
-              </a:rPr>
-              <a:t> </a:t>
-            </a:r>
-            <a:r>
-              <a:rPr lang="de-DE" sz="1600" dirty="0" err="1">
-                <a:solidFill>
-                  <a:srgbClr val="FF0000"/>
-                </a:solidFill>
-                <a:latin typeface="Consolas" panose="020B0609020204030204" pitchFamily="49" charset="0"/>
-              </a:rPr>
-              <a:t>runat</a:t>
-            </a:r>
-            <a:r>
-              <a:rPr lang="de-DE" sz="1600" dirty="0">
-                <a:solidFill>
-                  <a:srgbClr val="0000FF"/>
-                </a:solidFill>
-                <a:latin typeface="Consolas" panose="020B0609020204030204" pitchFamily="49" charset="0"/>
-              </a:rPr>
-              <a:t>="</a:t>
-            </a:r>
-            <a:r>
-              <a:rPr lang="de-DE" sz="1600" dirty="0" err="1">
-                <a:solidFill>
-                  <a:srgbClr val="0000FF"/>
-                </a:solidFill>
-                <a:latin typeface="Consolas" panose="020B0609020204030204" pitchFamily="49" charset="0"/>
-              </a:rPr>
-              <a:t>server</a:t>
-            </a:r>
-            <a:r>
-              <a:rPr lang="de-DE" sz="1600" dirty="0">
-                <a:solidFill>
-                  <a:srgbClr val="0000FF"/>
-                </a:solidFill>
-                <a:latin typeface="Consolas" panose="020B0609020204030204" pitchFamily="49" charset="0"/>
-              </a:rPr>
-              <a:t>"</a:t>
-            </a:r>
-            <a:r>
-              <a:rPr lang="de-DE" sz="1600" dirty="0">
-                <a:solidFill>
-                  <a:srgbClr val="000000"/>
-                </a:solidFill>
-                <a:latin typeface="Consolas" panose="020B0609020204030204" pitchFamily="49" charset="0"/>
-              </a:rPr>
-              <a:t> </a:t>
-            </a:r>
-            <a:r>
-              <a:rPr lang="de-DE" sz="1600" dirty="0" err="1">
-                <a:solidFill>
-                  <a:srgbClr val="FF0000"/>
-                </a:solidFill>
-                <a:latin typeface="Consolas" panose="020B0609020204030204" pitchFamily="49" charset="0"/>
-              </a:rPr>
-              <a:t>id</a:t>
-            </a:r>
-            <a:r>
-              <a:rPr lang="de-DE" sz="1600" dirty="0">
-                <a:solidFill>
-                  <a:srgbClr val="0000FF"/>
-                </a:solidFill>
-                <a:latin typeface="Consolas" panose="020B0609020204030204" pitchFamily="49" charset="0"/>
-              </a:rPr>
-              <a:t>="</a:t>
-            </a:r>
-            <a:r>
-              <a:rPr lang="de-DE" sz="1600" dirty="0" err="1">
-                <a:solidFill>
-                  <a:srgbClr val="0000FF"/>
-                </a:solidFill>
-                <a:latin typeface="Consolas" panose="020B0609020204030204" pitchFamily="49" charset="0"/>
-              </a:rPr>
-              <a:t>ErrorAlert</a:t>
-            </a:r>
-            <a:r>
-              <a:rPr lang="de-DE" sz="1600" dirty="0">
-                <a:solidFill>
-                  <a:srgbClr val="0000FF"/>
-                </a:solidFill>
-                <a:latin typeface="Consolas" panose="020B0609020204030204" pitchFamily="49" charset="0"/>
-              </a:rPr>
-              <a:t>"&gt;</a:t>
-            </a:r>
-            <a:endParaRPr lang="de-DE" sz="1600" dirty="0">
-              <a:solidFill>
-                <a:srgbClr val="000000"/>
-              </a:solidFill>
-              <a:latin typeface="Consolas" panose="020B0609020204030204" pitchFamily="49" charset="0"/>
-            </a:endParaRPr>
-          </a:p>
-          <a:p>
-            <a:r>
-              <a:rPr lang="en-US" sz="1600" dirty="0">
-                <a:solidFill>
-                  <a:srgbClr val="000000"/>
-                </a:solidFill>
-                <a:latin typeface="Consolas" panose="020B0609020204030204" pitchFamily="49" charset="0"/>
-              </a:rPr>
-              <a:t>    </a:t>
-            </a:r>
-            <a:r>
-              <a:rPr lang="en-US" sz="1600" dirty="0">
-                <a:solidFill>
-                  <a:srgbClr val="0000FF"/>
-                </a:solidFill>
-                <a:latin typeface="Consolas" panose="020B0609020204030204" pitchFamily="49" charset="0"/>
-              </a:rPr>
-              <a:t>...</a:t>
-            </a:r>
-            <a:endParaRPr lang="en-US" sz="1600" dirty="0">
-              <a:solidFill>
-                <a:srgbClr val="000000"/>
-              </a:solidFill>
-              <a:latin typeface="Consolas" panose="020B0609020204030204" pitchFamily="49" charset="0"/>
-            </a:endParaRPr>
-          </a:p>
-          <a:p>
-            <a:r>
-              <a:rPr lang="de-DE" sz="1600" dirty="0">
-                <a:solidFill>
-                  <a:srgbClr val="0000FF"/>
-                </a:solidFill>
-                <a:latin typeface="Consolas" panose="020B0609020204030204" pitchFamily="49" charset="0"/>
-              </a:rPr>
-              <a:t>&lt;/</a:t>
-            </a:r>
-            <a:r>
-              <a:rPr lang="de-DE" sz="1600" dirty="0">
-                <a:solidFill>
-                  <a:srgbClr val="800000"/>
-                </a:solidFill>
-                <a:latin typeface="Consolas" panose="020B0609020204030204" pitchFamily="49" charset="0"/>
-              </a:rPr>
-              <a:t>div</a:t>
-            </a:r>
-            <a:r>
-              <a:rPr lang="de-DE" sz="1600" dirty="0">
-                <a:solidFill>
-                  <a:srgbClr val="0000FF"/>
-                </a:solidFill>
-                <a:latin typeface="Consolas" panose="020B0609020204030204" pitchFamily="49" charset="0"/>
-              </a:rPr>
-              <a:t>&gt;</a:t>
-            </a:r>
-            <a:endParaRPr lang="de-DE" sz="1600" dirty="0"/>
-          </a:p>
-        </p:txBody>
-      </p:sp>
-      <p:sp>
-        <p:nvSpPr>
-          <p:cNvPr id="31" name="Abgerundetes Rechteck 30"/>
-          <p:cNvSpPr/>
-          <p:nvPr/>
-        </p:nvSpPr>
-        <p:spPr>
-          <a:xfrm>
-            <a:off x="838199" y="5678786"/>
-            <a:ext cx="5091546" cy="836537"/>
-          </a:xfrm>
-          <a:prstGeom prst="roundRect">
-            <a:avLst>
-              <a:gd name="adj" fmla="val 0"/>
-            </a:avLst>
-          </a:prstGeom>
-          <a:noFill/>
-          <a:ln>
-            <a:noFill/>
-          </a:ln>
-        </p:spPr>
-        <p:style>
-          <a:lnRef idx="0">
-            <a:scrgbClr r="0" g="0" b="0"/>
-          </a:lnRef>
-          <a:fillRef idx="0">
-            <a:scrgbClr r="0" g="0" b="0"/>
-          </a:fillRef>
-          <a:effectRef idx="0">
-            <a:scrgbClr r="0" g="0" b="0"/>
-          </a:effectRef>
-          <a:fontRef idx="minor">
-            <a:schemeClr val="dk1"/>
-          </a:fontRef>
-        </p:style>
-        <p:txBody>
-          <a:bodyPr rtlCol="0" anchor="ctr"/>
-          <a:lstStyle/>
-          <a:p>
-            <a:r>
-              <a:rPr lang="de-DE" sz="1600" dirty="0">
-                <a:solidFill>
-                  <a:srgbClr val="0000FF"/>
-                </a:solidFill>
-                <a:latin typeface="Consolas" panose="020B0609020204030204" pitchFamily="49" charset="0"/>
-              </a:rPr>
-              <a:t>&lt;</a:t>
-            </a:r>
-            <a:r>
-              <a:rPr lang="de-DE" sz="1600" dirty="0">
-                <a:solidFill>
-                  <a:srgbClr val="800000"/>
-                </a:solidFill>
-                <a:latin typeface="Consolas" panose="020B0609020204030204" pitchFamily="49" charset="0"/>
-              </a:rPr>
-              <a:t>div</a:t>
-            </a:r>
-            <a:r>
-              <a:rPr lang="de-DE" sz="1600" dirty="0">
-                <a:solidFill>
-                  <a:srgbClr val="000000"/>
-                </a:solidFill>
-                <a:latin typeface="Consolas" panose="020B0609020204030204" pitchFamily="49" charset="0"/>
-              </a:rPr>
-              <a:t> </a:t>
-            </a:r>
-            <a:r>
-              <a:rPr lang="de-DE" sz="1600" dirty="0" err="1">
-                <a:solidFill>
-                  <a:srgbClr val="FF0000"/>
-                </a:solidFill>
-                <a:latin typeface="Consolas" panose="020B0609020204030204" pitchFamily="49" charset="0"/>
-              </a:rPr>
-              <a:t>id</a:t>
-            </a:r>
-            <a:r>
-              <a:rPr lang="de-DE" sz="1600" dirty="0">
-                <a:solidFill>
-                  <a:srgbClr val="0000FF"/>
-                </a:solidFill>
-                <a:latin typeface="Consolas" panose="020B0609020204030204" pitchFamily="49" charset="0"/>
-              </a:rPr>
-              <a:t>="</a:t>
-            </a:r>
-            <a:r>
-              <a:rPr lang="de-DE" sz="1600" dirty="0" err="1">
-                <a:solidFill>
-                  <a:srgbClr val="0000FF"/>
-                </a:solidFill>
-                <a:latin typeface="Consolas" panose="020B0609020204030204" pitchFamily="49" charset="0"/>
-              </a:rPr>
-              <a:t>MainContent_ErrorAlert</a:t>
-            </a:r>
-            <a:r>
-              <a:rPr lang="de-DE" sz="1600" dirty="0">
-                <a:solidFill>
-                  <a:srgbClr val="0000FF"/>
-                </a:solidFill>
-                <a:latin typeface="Consolas" panose="020B0609020204030204" pitchFamily="49" charset="0"/>
-              </a:rPr>
-              <a:t>"&gt;</a:t>
-            </a:r>
-            <a:endParaRPr lang="de-DE" sz="1600" dirty="0">
-              <a:solidFill>
-                <a:srgbClr val="000000"/>
-              </a:solidFill>
-              <a:latin typeface="Consolas" panose="020B0609020204030204" pitchFamily="49" charset="0"/>
-            </a:endParaRPr>
-          </a:p>
-          <a:p>
-            <a:r>
-              <a:rPr lang="en-US" sz="1600" dirty="0">
-                <a:solidFill>
-                  <a:srgbClr val="000000"/>
-                </a:solidFill>
-                <a:latin typeface="Consolas" panose="020B0609020204030204" pitchFamily="49" charset="0"/>
-              </a:rPr>
-              <a:t>    </a:t>
-            </a:r>
-            <a:r>
-              <a:rPr lang="en-US" sz="1600" dirty="0">
-                <a:solidFill>
-                  <a:srgbClr val="0000FF"/>
-                </a:solidFill>
-                <a:latin typeface="Consolas" panose="020B0609020204030204" pitchFamily="49" charset="0"/>
-              </a:rPr>
-              <a:t>...</a:t>
-            </a:r>
-            <a:endParaRPr lang="en-US" sz="1600" dirty="0">
-              <a:solidFill>
-                <a:srgbClr val="000000"/>
-              </a:solidFill>
-              <a:latin typeface="Consolas" panose="020B0609020204030204" pitchFamily="49" charset="0"/>
-            </a:endParaRPr>
-          </a:p>
-          <a:p>
-            <a:r>
-              <a:rPr lang="de-DE" sz="1600" dirty="0">
-                <a:solidFill>
-                  <a:srgbClr val="0000FF"/>
-                </a:solidFill>
-                <a:latin typeface="Consolas" panose="020B0609020204030204" pitchFamily="49" charset="0"/>
-              </a:rPr>
-              <a:t>&lt;/</a:t>
-            </a:r>
-            <a:r>
-              <a:rPr lang="de-DE" sz="1600" dirty="0">
-                <a:solidFill>
-                  <a:srgbClr val="800000"/>
-                </a:solidFill>
-                <a:latin typeface="Consolas" panose="020B0609020204030204" pitchFamily="49" charset="0"/>
-              </a:rPr>
-              <a:t>div</a:t>
-            </a:r>
-            <a:r>
-              <a:rPr lang="de-DE" sz="1600" dirty="0">
-                <a:solidFill>
-                  <a:srgbClr val="0000FF"/>
-                </a:solidFill>
-                <a:latin typeface="Consolas" panose="020B0609020204030204" pitchFamily="49" charset="0"/>
-              </a:rPr>
-              <a:t>&gt;</a:t>
-            </a:r>
-            <a:endParaRPr lang="de-DE" sz="1600" dirty="0"/>
-          </a:p>
-        </p:txBody>
-      </p:sp>
-      <p:cxnSp>
-        <p:nvCxnSpPr>
-          <p:cNvPr id="32" name="Gekrümmter Verbinder 31"/>
-          <p:cNvCxnSpPr>
-            <a:stCxn id="29" idx="1"/>
-            <a:endCxn id="31" idx="1"/>
-          </p:cNvCxnSpPr>
-          <p:nvPr/>
-        </p:nvCxnSpPr>
-        <p:spPr>
-          <a:xfrm rot="10800000" flipV="1">
-            <a:off x="838199" y="4518317"/>
-            <a:ext cx="12700" cy="1578737"/>
-          </a:xfrm>
-          <a:prstGeom prst="curvedConnector3">
-            <a:avLst>
-              <a:gd name="adj1" fmla="val 5072724"/>
-            </a:avLst>
-          </a:prstGeom>
-          <a:ln w="19050" cap="flat" cmpd="sng" algn="ctr">
-            <a:solidFill>
-              <a:srgbClr val="11E9CF"/>
-            </a:solidFill>
-            <a:prstDash val="solid"/>
-            <a:round/>
-            <a:headEnd type="none" w="med" len="med"/>
-            <a:tailEnd type="arrow" w="med" len="med"/>
-          </a:ln>
-        </p:spPr>
-        <p:style>
-          <a:lnRef idx="0">
-            <a:scrgbClr r="0" g="0" b="0"/>
-          </a:lnRef>
-          <a:fillRef idx="0">
-            <a:scrgbClr r="0" g="0" b="0"/>
-          </a:fillRef>
-          <a:effectRef idx="0">
-            <a:scrgbClr r="0" g="0" b="0"/>
-          </a:effectRef>
-          <a:fontRef idx="minor">
-            <a:schemeClr val="tx1"/>
-          </a:fontRef>
-        </p:style>
-      </p:cxnSp>
-      <p:cxnSp>
-        <p:nvCxnSpPr>
-          <p:cNvPr id="35" name="Gekrümmter Verbinder 34"/>
-          <p:cNvCxnSpPr/>
-          <p:nvPr/>
-        </p:nvCxnSpPr>
-        <p:spPr>
-          <a:xfrm rot="10800000" flipV="1">
-            <a:off x="6464299" y="4518316"/>
-            <a:ext cx="12700" cy="1578737"/>
-          </a:xfrm>
-          <a:prstGeom prst="curvedConnector3">
-            <a:avLst>
-              <a:gd name="adj1" fmla="val 5072724"/>
-            </a:avLst>
-          </a:prstGeom>
-          <a:ln w="19050" cap="flat" cmpd="sng" algn="ctr">
-            <a:solidFill>
-              <a:srgbClr val="11E9CF"/>
-            </a:solidFill>
-            <a:prstDash val="solid"/>
-            <a:round/>
-            <a:headEnd type="none" w="med" len="med"/>
-            <a:tailEnd type="arrow" w="med" len="med"/>
-          </a:ln>
-        </p:spPr>
-        <p:style>
-          <a:lnRef idx="0">
-            <a:scrgbClr r="0" g="0" b="0"/>
-          </a:lnRef>
-          <a:fillRef idx="0">
-            <a:scrgbClr r="0" g="0" b="0"/>
-          </a:fillRef>
-          <a:effectRef idx="0">
-            <a:scrgbClr r="0" g="0" b="0"/>
-          </a:effectRef>
-          <a:fontRef idx="minor">
-            <a:schemeClr val="tx1"/>
-          </a:fontRef>
-        </p:style>
-      </p:cxnSp>
+            <a:endParaRPr lang="de-DE" dirty="0"/>
+          </a:p>
+        </p:txBody>
+      </p:sp>
     </p:spTree>
     <p:extLst>
       <p:ext uri="{BB962C8B-B14F-4D97-AF65-F5344CB8AC3E}">
-        <p14:creationId xmlns:p14="http://schemas.microsoft.com/office/powerpoint/2010/main" val="2305085737"/>
+        <p14:creationId xmlns:p14="http://schemas.microsoft.com/office/powerpoint/2010/main" val="3070952647"/>
       </p:ext>
     </p:extLst>
   </p:cSld>
